--- a/Exploring Various Optimizers (1).pptx
+++ b/Exploring Various Optimizers (1).pptx
@@ -4,16 +4,18 @@
   <p:sldMasterIdLst>
     <p:sldMasterId id="2147483648" r:id="rId1"/>
   </p:sldMasterIdLst>
+  <p:notesMasterIdLst>
+    <p:notesMasterId r:id="rId10"/>
+  </p:notesMasterIdLst>
   <p:sldIdLst>
     <p:sldId id="256" r:id="rId2"/>
     <p:sldId id="262" r:id="rId3"/>
-    <p:sldId id="267" r:id="rId4"/>
-    <p:sldId id="263" r:id="rId5"/>
-    <p:sldId id="260" r:id="rId6"/>
-    <p:sldId id="264" r:id="rId7"/>
-    <p:sldId id="268" r:id="rId8"/>
-    <p:sldId id="265" r:id="rId9"/>
-    <p:sldId id="266" r:id="rId10"/>
+    <p:sldId id="263" r:id="rId4"/>
+    <p:sldId id="260" r:id="rId5"/>
+    <p:sldId id="264" r:id="rId6"/>
+    <p:sldId id="268" r:id="rId7"/>
+    <p:sldId id="265" r:id="rId8"/>
+    <p:sldId id="266" r:id="rId9"/>
   </p:sldIdLst>
   <p:sldSz cx="12192000" cy="6858000"/>
   <p:notesSz cx="6858000" cy="9144000"/>
@@ -118,6 +120,442 @@
     </p:ext>
   </p:extLst>
 </p:presentation>
+</file>
+
+<file path=ppt/notesMasters/notesMaster1.xml><?xml version="1.0" encoding="utf-8"?>
+<p:notesMaster xmlns:a="http://schemas.openxmlformats.org/drawingml/2006/main" xmlns:r="http://schemas.openxmlformats.org/officeDocument/2006/relationships" xmlns:p="http://schemas.openxmlformats.org/presentationml/2006/main">
+  <p:cSld>
+    <p:bg>
+      <p:bgRef idx="1001">
+        <a:schemeClr val="bg1"/>
+      </p:bgRef>
+    </p:bg>
+    <p:spTree>
+      <p:nvGrpSpPr>
+        <p:cNvPr id="1" name=""/>
+        <p:cNvGrpSpPr/>
+        <p:nvPr/>
+      </p:nvGrpSpPr>
+      <p:grpSpPr>
+        <a:xfrm>
+          <a:off x="0" y="0"/>
+          <a:ext cx="0" cy="0"/>
+          <a:chOff x="0" y="0"/>
+          <a:chExt cx="0" cy="0"/>
+        </a:xfrm>
+      </p:grpSpPr>
+      <p:sp>
+        <p:nvSpPr>
+          <p:cNvPr id="2" name="Header Placeholder 1"/>
+          <p:cNvSpPr>
+            <a:spLocks noGrp="1"/>
+          </p:cNvSpPr>
+          <p:nvPr>
+            <p:ph type="hdr" sz="quarter"/>
+          </p:nvPr>
+        </p:nvSpPr>
+        <p:spPr>
+          <a:xfrm>
+            <a:off x="0" y="0"/>
+            <a:ext cx="2971800" cy="458788"/>
+          </a:xfrm>
+          <a:prstGeom prst="rect">
+            <a:avLst/>
+          </a:prstGeom>
+        </p:spPr>
+        <p:txBody>
+          <a:bodyPr vert="horz" lIns="91440" tIns="45720" rIns="91440" bIns="45720" rtlCol="0"/>
+          <a:lstStyle>
+            <a:lvl1pPr algn="l">
+              <a:defRPr sz="1200"/>
+            </a:lvl1pPr>
+          </a:lstStyle>
+          <a:p>
+            <a:endParaRPr lang="en-US"/>
+          </a:p>
+        </p:txBody>
+      </p:sp>
+      <p:sp>
+        <p:nvSpPr>
+          <p:cNvPr id="3" name="Date Placeholder 2"/>
+          <p:cNvSpPr>
+            <a:spLocks noGrp="1"/>
+          </p:cNvSpPr>
+          <p:nvPr>
+            <p:ph type="dt" idx="1"/>
+          </p:nvPr>
+        </p:nvSpPr>
+        <p:spPr>
+          <a:xfrm>
+            <a:off x="3884613" y="0"/>
+            <a:ext cx="2971800" cy="458788"/>
+          </a:xfrm>
+          <a:prstGeom prst="rect">
+            <a:avLst/>
+          </a:prstGeom>
+        </p:spPr>
+        <p:txBody>
+          <a:bodyPr vert="horz" lIns="91440" tIns="45720" rIns="91440" bIns="45720" rtlCol="0"/>
+          <a:lstStyle>
+            <a:lvl1pPr algn="r">
+              <a:defRPr sz="1200"/>
+            </a:lvl1pPr>
+          </a:lstStyle>
+          <a:p>
+            <a:fld id="{B9AED1CD-FFCA-6D46-945E-1D85210D1629}" type="datetimeFigureOut">
+              <a:rPr lang="en-US" smtClean="0"/>
+              <a:t>2/17/21</a:t>
+            </a:fld>
+            <a:endParaRPr lang="en-US"/>
+          </a:p>
+        </p:txBody>
+      </p:sp>
+      <p:sp>
+        <p:nvSpPr>
+          <p:cNvPr id="4" name="Slide Image Placeholder 3"/>
+          <p:cNvSpPr>
+            <a:spLocks noGrp="1" noRot="1" noChangeAspect="1"/>
+          </p:cNvSpPr>
+          <p:nvPr>
+            <p:ph type="sldImg" idx="2"/>
+          </p:nvPr>
+        </p:nvSpPr>
+        <p:spPr>
+          <a:xfrm>
+            <a:off x="685800" y="1143000"/>
+            <a:ext cx="5486400" cy="3086100"/>
+          </a:xfrm>
+          <a:prstGeom prst="rect">
+            <a:avLst/>
+          </a:prstGeom>
+          <a:noFill/>
+          <a:ln w="12700">
+            <a:solidFill>
+              <a:prstClr val="black"/>
+            </a:solidFill>
+          </a:ln>
+        </p:spPr>
+        <p:txBody>
+          <a:bodyPr vert="horz" lIns="91440" tIns="45720" rIns="91440" bIns="45720" rtlCol="0" anchor="ctr"/>
+          <a:lstStyle/>
+          <a:p>
+            <a:endParaRPr lang="en-US"/>
+          </a:p>
+        </p:txBody>
+      </p:sp>
+      <p:sp>
+        <p:nvSpPr>
+          <p:cNvPr id="5" name="Notes Placeholder 4"/>
+          <p:cNvSpPr>
+            <a:spLocks noGrp="1"/>
+          </p:cNvSpPr>
+          <p:nvPr>
+            <p:ph type="body" sz="quarter" idx="3"/>
+          </p:nvPr>
+        </p:nvSpPr>
+        <p:spPr>
+          <a:xfrm>
+            <a:off x="685800" y="4400550"/>
+            <a:ext cx="5486400" cy="3600450"/>
+          </a:xfrm>
+          <a:prstGeom prst="rect">
+            <a:avLst/>
+          </a:prstGeom>
+        </p:spPr>
+        <p:txBody>
+          <a:bodyPr vert="horz" lIns="91440" tIns="45720" rIns="91440" bIns="45720" rtlCol="0"/>
+          <a:lstStyle/>
+          <a:p>
+            <a:pPr lvl="0"/>
+            <a:r>
+              <a:rPr lang="en-US"/>
+              <a:t>Click to edit Master text styles</a:t>
+            </a:r>
+          </a:p>
+          <a:p>
+            <a:pPr lvl="1"/>
+            <a:r>
+              <a:rPr lang="en-US"/>
+              <a:t>Second level</a:t>
+            </a:r>
+          </a:p>
+          <a:p>
+            <a:pPr lvl="2"/>
+            <a:r>
+              <a:rPr lang="en-US"/>
+              <a:t>Third level</a:t>
+            </a:r>
+          </a:p>
+          <a:p>
+            <a:pPr lvl="3"/>
+            <a:r>
+              <a:rPr lang="en-US"/>
+              <a:t>Fourth level</a:t>
+            </a:r>
+          </a:p>
+          <a:p>
+            <a:pPr lvl="4"/>
+            <a:r>
+              <a:rPr lang="en-US"/>
+              <a:t>Fifth level</a:t>
+            </a:r>
+          </a:p>
+        </p:txBody>
+      </p:sp>
+      <p:sp>
+        <p:nvSpPr>
+          <p:cNvPr id="6" name="Footer Placeholder 5"/>
+          <p:cNvSpPr>
+            <a:spLocks noGrp="1"/>
+          </p:cNvSpPr>
+          <p:nvPr>
+            <p:ph type="ftr" sz="quarter" idx="4"/>
+          </p:nvPr>
+        </p:nvSpPr>
+        <p:spPr>
+          <a:xfrm>
+            <a:off x="0" y="8685213"/>
+            <a:ext cx="2971800" cy="458787"/>
+          </a:xfrm>
+          <a:prstGeom prst="rect">
+            <a:avLst/>
+          </a:prstGeom>
+        </p:spPr>
+        <p:txBody>
+          <a:bodyPr vert="horz" lIns="91440" tIns="45720" rIns="91440" bIns="45720" rtlCol="0" anchor="b"/>
+          <a:lstStyle>
+            <a:lvl1pPr algn="l">
+              <a:defRPr sz="1200"/>
+            </a:lvl1pPr>
+          </a:lstStyle>
+          <a:p>
+            <a:endParaRPr lang="en-US"/>
+          </a:p>
+        </p:txBody>
+      </p:sp>
+      <p:sp>
+        <p:nvSpPr>
+          <p:cNvPr id="7" name="Slide Number Placeholder 6"/>
+          <p:cNvSpPr>
+            <a:spLocks noGrp="1"/>
+          </p:cNvSpPr>
+          <p:nvPr>
+            <p:ph type="sldNum" sz="quarter" idx="5"/>
+          </p:nvPr>
+        </p:nvSpPr>
+        <p:spPr>
+          <a:xfrm>
+            <a:off x="3884613" y="8685213"/>
+            <a:ext cx="2971800" cy="458787"/>
+          </a:xfrm>
+          <a:prstGeom prst="rect">
+            <a:avLst/>
+          </a:prstGeom>
+        </p:spPr>
+        <p:txBody>
+          <a:bodyPr vert="horz" lIns="91440" tIns="45720" rIns="91440" bIns="45720" rtlCol="0" anchor="b"/>
+          <a:lstStyle>
+            <a:lvl1pPr algn="r">
+              <a:defRPr sz="1200"/>
+            </a:lvl1pPr>
+          </a:lstStyle>
+          <a:p>
+            <a:fld id="{698B8150-572F-DA48-BB13-1298B96B8D05}" type="slidenum">
+              <a:rPr lang="en-US" smtClean="0"/>
+              <a:t>‹#›</a:t>
+            </a:fld>
+            <a:endParaRPr lang="en-US"/>
+          </a:p>
+        </p:txBody>
+      </p:sp>
+    </p:spTree>
+    <p:extLst>
+      <p:ext uri="{BB962C8B-B14F-4D97-AF65-F5344CB8AC3E}">
+        <p14:creationId xmlns:p14="http://schemas.microsoft.com/office/powerpoint/2010/main" val="3184200490"/>
+      </p:ext>
+    </p:extLst>
+  </p:cSld>
+  <p:clrMap bg1="lt1" tx1="dk1" bg2="lt2" tx2="dk2" accent1="accent1" accent2="accent2" accent3="accent3" accent4="accent4" accent5="accent5" accent6="accent6" hlink="hlink" folHlink="folHlink"/>
+  <p:notesStyle>
+    <a:lvl1pPr marL="0" algn="l" defTabSz="914400" rtl="0" eaLnBrk="1" latinLnBrk="0" hangingPunct="1">
+      <a:defRPr sz="1200" kern="1200">
+        <a:solidFill>
+          <a:schemeClr val="tx1"/>
+        </a:solidFill>
+        <a:latin typeface="+mn-lt"/>
+        <a:ea typeface="+mn-ea"/>
+        <a:cs typeface="+mn-cs"/>
+      </a:defRPr>
+    </a:lvl1pPr>
+    <a:lvl2pPr marL="457200" algn="l" defTabSz="914400" rtl="0" eaLnBrk="1" latinLnBrk="0" hangingPunct="1">
+      <a:defRPr sz="1200" kern="1200">
+        <a:solidFill>
+          <a:schemeClr val="tx1"/>
+        </a:solidFill>
+        <a:latin typeface="+mn-lt"/>
+        <a:ea typeface="+mn-ea"/>
+        <a:cs typeface="+mn-cs"/>
+      </a:defRPr>
+    </a:lvl2pPr>
+    <a:lvl3pPr marL="914400" algn="l" defTabSz="914400" rtl="0" eaLnBrk="1" latinLnBrk="0" hangingPunct="1">
+      <a:defRPr sz="1200" kern="1200">
+        <a:solidFill>
+          <a:schemeClr val="tx1"/>
+        </a:solidFill>
+        <a:latin typeface="+mn-lt"/>
+        <a:ea typeface="+mn-ea"/>
+        <a:cs typeface="+mn-cs"/>
+      </a:defRPr>
+    </a:lvl3pPr>
+    <a:lvl4pPr marL="1371600" algn="l" defTabSz="914400" rtl="0" eaLnBrk="1" latinLnBrk="0" hangingPunct="1">
+      <a:defRPr sz="1200" kern="1200">
+        <a:solidFill>
+          <a:schemeClr val="tx1"/>
+        </a:solidFill>
+        <a:latin typeface="+mn-lt"/>
+        <a:ea typeface="+mn-ea"/>
+        <a:cs typeface="+mn-cs"/>
+      </a:defRPr>
+    </a:lvl4pPr>
+    <a:lvl5pPr marL="1828800" algn="l" defTabSz="914400" rtl="0" eaLnBrk="1" latinLnBrk="0" hangingPunct="1">
+      <a:defRPr sz="1200" kern="1200">
+        <a:solidFill>
+          <a:schemeClr val="tx1"/>
+        </a:solidFill>
+        <a:latin typeface="+mn-lt"/>
+        <a:ea typeface="+mn-ea"/>
+        <a:cs typeface="+mn-cs"/>
+      </a:defRPr>
+    </a:lvl5pPr>
+    <a:lvl6pPr marL="2286000" algn="l" defTabSz="914400" rtl="0" eaLnBrk="1" latinLnBrk="0" hangingPunct="1">
+      <a:defRPr sz="1200" kern="1200">
+        <a:solidFill>
+          <a:schemeClr val="tx1"/>
+        </a:solidFill>
+        <a:latin typeface="+mn-lt"/>
+        <a:ea typeface="+mn-ea"/>
+        <a:cs typeface="+mn-cs"/>
+      </a:defRPr>
+    </a:lvl6pPr>
+    <a:lvl7pPr marL="2743200" algn="l" defTabSz="914400" rtl="0" eaLnBrk="1" latinLnBrk="0" hangingPunct="1">
+      <a:defRPr sz="1200" kern="1200">
+        <a:solidFill>
+          <a:schemeClr val="tx1"/>
+        </a:solidFill>
+        <a:latin typeface="+mn-lt"/>
+        <a:ea typeface="+mn-ea"/>
+        <a:cs typeface="+mn-cs"/>
+      </a:defRPr>
+    </a:lvl7pPr>
+    <a:lvl8pPr marL="3200400" algn="l" defTabSz="914400" rtl="0" eaLnBrk="1" latinLnBrk="0" hangingPunct="1">
+      <a:defRPr sz="1200" kern="1200">
+        <a:solidFill>
+          <a:schemeClr val="tx1"/>
+        </a:solidFill>
+        <a:latin typeface="+mn-lt"/>
+        <a:ea typeface="+mn-ea"/>
+        <a:cs typeface="+mn-cs"/>
+      </a:defRPr>
+    </a:lvl8pPr>
+    <a:lvl9pPr marL="3657600" algn="l" defTabSz="914400" rtl="0" eaLnBrk="1" latinLnBrk="0" hangingPunct="1">
+      <a:defRPr sz="1200" kern="1200">
+        <a:solidFill>
+          <a:schemeClr val="tx1"/>
+        </a:solidFill>
+        <a:latin typeface="+mn-lt"/>
+        <a:ea typeface="+mn-ea"/>
+        <a:cs typeface="+mn-cs"/>
+      </a:defRPr>
+    </a:lvl9pPr>
+  </p:notesStyle>
+</p:notesMaster>
+</file>
+
+<file path=ppt/notesSlides/notesSlide1.xml><?xml version="1.0" encoding="utf-8"?>
+<p:notes xmlns:a="http://schemas.openxmlformats.org/drawingml/2006/main" xmlns:r="http://schemas.openxmlformats.org/officeDocument/2006/relationships" xmlns:p="http://schemas.openxmlformats.org/presentationml/2006/main">
+  <p:cSld>
+    <p:spTree>
+      <p:nvGrpSpPr>
+        <p:cNvPr id="1" name=""/>
+        <p:cNvGrpSpPr/>
+        <p:nvPr/>
+      </p:nvGrpSpPr>
+      <p:grpSpPr>
+        <a:xfrm>
+          <a:off x="0" y="0"/>
+          <a:ext cx="0" cy="0"/>
+          <a:chOff x="0" y="0"/>
+          <a:chExt cx="0" cy="0"/>
+        </a:xfrm>
+      </p:grpSpPr>
+      <p:sp>
+        <p:nvSpPr>
+          <p:cNvPr id="2" name="Slide Image Placeholder 1"/>
+          <p:cNvSpPr>
+            <a:spLocks noGrp="1" noRot="1" noChangeAspect="1"/>
+          </p:cNvSpPr>
+          <p:nvPr>
+            <p:ph type="sldImg"/>
+          </p:nvPr>
+        </p:nvSpPr>
+        <p:spPr/>
+      </p:sp>
+      <p:sp>
+        <p:nvSpPr>
+          <p:cNvPr id="3" name="Notes Placeholder 2"/>
+          <p:cNvSpPr>
+            <a:spLocks noGrp="1"/>
+          </p:cNvSpPr>
+          <p:nvPr>
+            <p:ph type="body" idx="1"/>
+          </p:nvPr>
+        </p:nvSpPr>
+        <p:spPr/>
+        <p:txBody>
+          <a:bodyPr/>
+          <a:lstStyle/>
+          <a:p>
+            <a:r>
+              <a:rPr lang="en-US" dirty="0"/>
+              <a:t>Predetermined functions</a:t>
+            </a:r>
+          </a:p>
+        </p:txBody>
+      </p:sp>
+      <p:sp>
+        <p:nvSpPr>
+          <p:cNvPr id="4" name="Slide Number Placeholder 3"/>
+          <p:cNvSpPr>
+            <a:spLocks noGrp="1"/>
+          </p:cNvSpPr>
+          <p:nvPr>
+            <p:ph type="sldNum" sz="quarter" idx="5"/>
+          </p:nvPr>
+        </p:nvSpPr>
+        <p:spPr/>
+        <p:txBody>
+          <a:bodyPr/>
+          <a:lstStyle/>
+          <a:p>
+            <a:fld id="{698B8150-572F-DA48-BB13-1298B96B8D05}" type="slidenum">
+              <a:rPr lang="en-US" smtClean="0"/>
+              <a:t>2</a:t>
+            </a:fld>
+            <a:endParaRPr lang="en-US"/>
+          </a:p>
+        </p:txBody>
+      </p:sp>
+    </p:spTree>
+    <p:extLst>
+      <p:ext uri="{BB962C8B-B14F-4D97-AF65-F5344CB8AC3E}">
+        <p14:creationId xmlns:p14="http://schemas.microsoft.com/office/powerpoint/2010/main" val="3488684125"/>
+      </p:ext>
+    </p:extLst>
+  </p:cSld>
+  <p:clrMapOvr>
+    <a:masterClrMapping/>
+  </p:clrMapOvr>
+</p:notes>
 </file>
 
 <file path=ppt/slideLayouts/slideLayout1.xml><?xml version="1.0" encoding="utf-8"?>
@@ -3476,698 +3914,6 @@
           <a:chExt cx="0" cy="0"/>
         </a:xfrm>
       </p:grpSpPr>
-      <p:graphicFrame>
-        <p:nvGraphicFramePr>
-          <p:cNvPr id="7" name="Table 7">
-            <a:extLst>
-              <a:ext uri="{FF2B5EF4-FFF2-40B4-BE49-F238E27FC236}">
-                <a16:creationId xmlns:a16="http://schemas.microsoft.com/office/drawing/2014/main" id="{19D85929-F334-6743-B883-3347E6C66D2E}"/>
-              </a:ext>
-            </a:extLst>
-          </p:cNvPr>
-          <p:cNvGraphicFramePr>
-            <a:graphicFrameLocks noGrp="1"/>
-          </p:cNvGraphicFramePr>
-          <p:nvPr>
-            <p:ph idx="1"/>
-            <p:extLst>
-              <p:ext uri="{D42A27DB-BD31-4B8C-83A1-F6EECF244321}">
-                <p14:modId xmlns:p14="http://schemas.microsoft.com/office/powerpoint/2010/main" val="686000079"/>
-              </p:ext>
-            </p:extLst>
-          </p:nvPr>
-        </p:nvGraphicFramePr>
-        <p:xfrm>
-          <a:off x="429912" y="2975671"/>
-          <a:ext cx="7613824" cy="1440208"/>
-        </p:xfrm>
-        <a:graphic>
-          <a:graphicData uri="http://schemas.openxmlformats.org/drawingml/2006/table">
-            <a:tbl>
-              <a:tblPr firstRow="1" bandRow="1">
-                <a:tableStyleId>{793D81CF-94F2-401A-BA57-92F5A7B2D0C5}</a:tableStyleId>
-              </a:tblPr>
-              <a:tblGrid>
-                <a:gridCol w="1903456">
-                  <a:extLst>
-                    <a:ext uri="{9D8B030D-6E8A-4147-A177-3AD203B41FA5}">
-                      <a16:colId xmlns:a16="http://schemas.microsoft.com/office/drawing/2014/main" val="3521628415"/>
-                    </a:ext>
-                  </a:extLst>
-                </a:gridCol>
-                <a:gridCol w="1903456">
-                  <a:extLst>
-                    <a:ext uri="{9D8B030D-6E8A-4147-A177-3AD203B41FA5}">
-                      <a16:colId xmlns:a16="http://schemas.microsoft.com/office/drawing/2014/main" val="2727305752"/>
-                    </a:ext>
-                  </a:extLst>
-                </a:gridCol>
-                <a:gridCol w="1903456">
-                  <a:extLst>
-                    <a:ext uri="{9D8B030D-6E8A-4147-A177-3AD203B41FA5}">
-                      <a16:colId xmlns:a16="http://schemas.microsoft.com/office/drawing/2014/main" val="556575847"/>
-                    </a:ext>
-                  </a:extLst>
-                </a:gridCol>
-                <a:gridCol w="1903456">
-                  <a:extLst>
-                    <a:ext uri="{9D8B030D-6E8A-4147-A177-3AD203B41FA5}">
-                      <a16:colId xmlns:a16="http://schemas.microsoft.com/office/drawing/2014/main" val="1595433161"/>
-                    </a:ext>
-                  </a:extLst>
-                </a:gridCol>
-              </a:tblGrid>
-              <a:tr h="400064">
-                <a:tc>
-                  <a:txBody>
-                    <a:bodyPr/>
-                    <a:lstStyle/>
-                    <a:p>
-                      <a:pPr algn="ctr"/>
-                      <a:r>
-                        <a:rPr lang="en-US" dirty="0"/>
-                        <a:t>Optimizing Tool</a:t>
-                      </a:r>
-                    </a:p>
-                  </a:txBody>
-                  <a:tcPr anchor="ctr">
-                    <a:lnL w="12700" cap="flat" cmpd="sng" algn="ctr">
-                      <a:solidFill>
-                        <a:schemeClr val="tx1"/>
-                      </a:solidFill>
-                      <a:prstDash val="solid"/>
-                      <a:round/>
-                      <a:headEnd type="none" w="med" len="med"/>
-                      <a:tailEnd type="none" w="med" len="med"/>
-                    </a:lnL>
-                    <a:lnR w="12700" cap="flat" cmpd="sng" algn="ctr">
-                      <a:solidFill>
-                        <a:schemeClr val="tx1"/>
-                      </a:solidFill>
-                      <a:prstDash val="solid"/>
-                      <a:round/>
-                      <a:headEnd type="none" w="med" len="med"/>
-                      <a:tailEnd type="none" w="med" len="med"/>
-                    </a:lnR>
-                    <a:lnT w="12700" cap="flat" cmpd="sng" algn="ctr">
-                      <a:solidFill>
-                        <a:schemeClr val="tx1"/>
-                      </a:solidFill>
-                      <a:prstDash val="solid"/>
-                      <a:round/>
-                      <a:headEnd type="none" w="med" len="med"/>
-                      <a:tailEnd type="none" w="med" len="med"/>
-                    </a:lnT>
-                    <a:lnB w="12700" cap="flat" cmpd="sng" algn="ctr">
-                      <a:solidFill>
-                        <a:schemeClr val="tx1"/>
-                      </a:solidFill>
-                      <a:prstDash val="solid"/>
-                      <a:round/>
-                      <a:headEnd type="none" w="med" len="med"/>
-                      <a:tailEnd type="none" w="med" len="med"/>
-                    </a:lnB>
-                  </a:tcPr>
-                </a:tc>
-                <a:tc>
-                  <a:txBody>
-                    <a:bodyPr/>
-                    <a:lstStyle/>
-                    <a:p>
-                      <a:pPr algn="ctr"/>
-                      <a:r>
-                        <a:rPr lang="en-US" dirty="0"/>
-                        <a:t>Documentation</a:t>
-                      </a:r>
-                    </a:p>
-                  </a:txBody>
-                  <a:tcPr anchor="ctr">
-                    <a:lnL w="12700" cap="flat" cmpd="sng" algn="ctr">
-                      <a:solidFill>
-                        <a:schemeClr val="tx1"/>
-                      </a:solidFill>
-                      <a:prstDash val="solid"/>
-                      <a:round/>
-                      <a:headEnd type="none" w="med" len="med"/>
-                      <a:tailEnd type="none" w="med" len="med"/>
-                    </a:lnL>
-                    <a:lnR w="12700" cap="flat" cmpd="sng" algn="ctr">
-                      <a:solidFill>
-                        <a:schemeClr val="tx1"/>
-                      </a:solidFill>
-                      <a:prstDash val="solid"/>
-                      <a:round/>
-                      <a:headEnd type="none" w="med" len="med"/>
-                      <a:tailEnd type="none" w="med" len="med"/>
-                    </a:lnR>
-                    <a:lnT w="12700" cap="flat" cmpd="sng" algn="ctr">
-                      <a:solidFill>
-                        <a:schemeClr val="tx1"/>
-                      </a:solidFill>
-                      <a:prstDash val="solid"/>
-                      <a:round/>
-                      <a:headEnd type="none" w="med" len="med"/>
-                      <a:tailEnd type="none" w="med" len="med"/>
-                    </a:lnT>
-                    <a:lnB w="12700" cap="flat" cmpd="sng" algn="ctr">
-                      <a:solidFill>
-                        <a:schemeClr val="tx1"/>
-                      </a:solidFill>
-                      <a:prstDash val="solid"/>
-                      <a:round/>
-                      <a:headEnd type="none" w="med" len="med"/>
-                      <a:tailEnd type="none" w="med" len="med"/>
-                    </a:lnB>
-                  </a:tcPr>
-                </a:tc>
-                <a:tc>
-                  <a:txBody>
-                    <a:bodyPr/>
-                    <a:lstStyle/>
-                    <a:p>
-                      <a:pPr algn="ctr"/>
-                      <a:r>
-                        <a:rPr lang="en-US" dirty="0"/>
-                        <a:t>Ease of Use</a:t>
-                      </a:r>
-                    </a:p>
-                  </a:txBody>
-                  <a:tcPr anchor="ctr">
-                    <a:lnL w="12700" cap="flat" cmpd="sng" algn="ctr">
-                      <a:solidFill>
-                        <a:schemeClr val="tx1"/>
-                      </a:solidFill>
-                      <a:prstDash val="solid"/>
-                      <a:round/>
-                      <a:headEnd type="none" w="med" len="med"/>
-                      <a:tailEnd type="none" w="med" len="med"/>
-                    </a:lnL>
-                    <a:lnR w="12700" cap="flat" cmpd="sng" algn="ctr">
-                      <a:solidFill>
-                        <a:schemeClr val="tx1"/>
-                      </a:solidFill>
-                      <a:prstDash val="solid"/>
-                      <a:round/>
-                      <a:headEnd type="none" w="med" len="med"/>
-                      <a:tailEnd type="none" w="med" len="med"/>
-                    </a:lnR>
-                    <a:lnT w="12700" cap="flat" cmpd="sng" algn="ctr">
-                      <a:solidFill>
-                        <a:schemeClr val="tx1"/>
-                      </a:solidFill>
-                      <a:prstDash val="solid"/>
-                      <a:round/>
-                      <a:headEnd type="none" w="med" len="med"/>
-                      <a:tailEnd type="none" w="med" len="med"/>
-                    </a:lnT>
-                    <a:lnB w="12700" cap="flat" cmpd="sng" algn="ctr">
-                      <a:solidFill>
-                        <a:schemeClr val="tx1"/>
-                      </a:solidFill>
-                      <a:prstDash val="solid"/>
-                      <a:round/>
-                      <a:headEnd type="none" w="med" len="med"/>
-                      <a:tailEnd type="none" w="med" len="med"/>
-                    </a:lnB>
-                  </a:tcPr>
-                </a:tc>
-                <a:tc>
-                  <a:txBody>
-                    <a:bodyPr/>
-                    <a:lstStyle/>
-                    <a:p>
-                      <a:pPr algn="ctr"/>
-                      <a:r>
-                        <a:rPr lang="en-US" dirty="0"/>
-                        <a:t>Convergence Speed</a:t>
-                      </a:r>
-                    </a:p>
-                  </a:txBody>
-                  <a:tcPr anchor="ctr">
-                    <a:lnL w="12700" cap="flat" cmpd="sng" algn="ctr">
-                      <a:solidFill>
-                        <a:schemeClr val="tx1"/>
-                      </a:solidFill>
-                      <a:prstDash val="solid"/>
-                      <a:round/>
-                      <a:headEnd type="none" w="med" len="med"/>
-                      <a:tailEnd type="none" w="med" len="med"/>
-                    </a:lnL>
-                    <a:lnR w="12700" cap="flat" cmpd="sng" algn="ctr">
-                      <a:solidFill>
-                        <a:schemeClr val="tx1"/>
-                      </a:solidFill>
-                      <a:prstDash val="solid"/>
-                      <a:round/>
-                      <a:headEnd type="none" w="med" len="med"/>
-                      <a:tailEnd type="none" w="med" len="med"/>
-                    </a:lnR>
-                    <a:lnT w="12700" cap="flat" cmpd="sng" algn="ctr">
-                      <a:solidFill>
-                        <a:schemeClr val="tx1"/>
-                      </a:solidFill>
-                      <a:prstDash val="solid"/>
-                      <a:round/>
-                      <a:headEnd type="none" w="med" len="med"/>
-                      <a:tailEnd type="none" w="med" len="med"/>
-                    </a:lnT>
-                    <a:lnB w="12700" cap="flat" cmpd="sng" algn="ctr">
-                      <a:solidFill>
-                        <a:schemeClr val="tx1"/>
-                      </a:solidFill>
-                      <a:prstDash val="solid"/>
-                      <a:round/>
-                      <a:headEnd type="none" w="med" len="med"/>
-                      <a:tailEnd type="none" w="med" len="med"/>
-                    </a:lnB>
-                  </a:tcPr>
-                </a:tc>
-                <a:extLst>
-                  <a:ext uri="{0D108BD9-81ED-4DB2-BD59-A6C34878D82A}">
-                    <a16:rowId xmlns:a16="http://schemas.microsoft.com/office/drawing/2014/main" val="2614632160"/>
-                  </a:ext>
-                </a:extLst>
-              </a:tr>
-              <a:tr h="400064">
-                <a:tc>
-                  <a:txBody>
-                    <a:bodyPr/>
-                    <a:lstStyle/>
-                    <a:p>
-                      <a:pPr algn="ctr"/>
-                      <a:r>
-                        <a:rPr lang="en-US" dirty="0"/>
-                        <a:t>Bayes_Opt</a:t>
-                      </a:r>
-                    </a:p>
-                  </a:txBody>
-                  <a:tcPr anchor="ctr">
-                    <a:lnL w="12700" cap="flat" cmpd="sng" algn="ctr">
-                      <a:solidFill>
-                        <a:schemeClr val="tx1"/>
-                      </a:solidFill>
-                      <a:prstDash val="solid"/>
-                      <a:round/>
-                      <a:headEnd type="none" w="med" len="med"/>
-                      <a:tailEnd type="none" w="med" len="med"/>
-                    </a:lnL>
-                    <a:lnR w="12700" cap="flat" cmpd="sng" algn="ctr">
-                      <a:solidFill>
-                        <a:schemeClr val="tx1"/>
-                      </a:solidFill>
-                      <a:prstDash val="solid"/>
-                      <a:round/>
-                      <a:headEnd type="none" w="med" len="med"/>
-                      <a:tailEnd type="none" w="med" len="med"/>
-                    </a:lnR>
-                    <a:lnT w="12700" cap="flat" cmpd="sng" algn="ctr">
-                      <a:solidFill>
-                        <a:schemeClr val="tx1"/>
-                      </a:solidFill>
-                      <a:prstDash val="solid"/>
-                      <a:round/>
-                      <a:headEnd type="none" w="med" len="med"/>
-                      <a:tailEnd type="none" w="med" len="med"/>
-                    </a:lnT>
-                    <a:lnB w="12700" cap="flat" cmpd="sng" algn="ctr">
-                      <a:solidFill>
-                        <a:schemeClr val="tx1"/>
-                      </a:solidFill>
-                      <a:prstDash val="solid"/>
-                      <a:round/>
-                      <a:headEnd type="none" w="med" len="med"/>
-                      <a:tailEnd type="none" w="med" len="med"/>
-                    </a:lnB>
-                    <a:solidFill>
-                      <a:schemeClr val="bg2"/>
-                    </a:solidFill>
-                  </a:tcPr>
-                </a:tc>
-                <a:tc>
-                  <a:txBody>
-                    <a:bodyPr/>
-                    <a:lstStyle/>
-                    <a:p>
-                      <a:pPr algn="ctr"/>
-                      <a:endParaRPr lang="en-US" dirty="0"/>
-                    </a:p>
-                  </a:txBody>
-                  <a:tcPr anchor="ctr">
-                    <a:lnL w="12700" cap="flat" cmpd="sng" algn="ctr">
-                      <a:solidFill>
-                        <a:schemeClr val="tx1"/>
-                      </a:solidFill>
-                      <a:prstDash val="solid"/>
-                      <a:round/>
-                      <a:headEnd type="none" w="med" len="med"/>
-                      <a:tailEnd type="none" w="med" len="med"/>
-                    </a:lnL>
-                    <a:lnR w="12700" cap="flat" cmpd="sng" algn="ctr">
-                      <a:solidFill>
-                        <a:schemeClr val="tx1"/>
-                      </a:solidFill>
-                      <a:prstDash val="solid"/>
-                      <a:round/>
-                      <a:headEnd type="none" w="med" len="med"/>
-                      <a:tailEnd type="none" w="med" len="med"/>
-                    </a:lnR>
-                    <a:lnT w="12700" cap="flat" cmpd="sng" algn="ctr">
-                      <a:solidFill>
-                        <a:schemeClr val="tx1"/>
-                      </a:solidFill>
-                      <a:prstDash val="solid"/>
-                      <a:round/>
-                      <a:headEnd type="none" w="med" len="med"/>
-                      <a:tailEnd type="none" w="med" len="med"/>
-                    </a:lnT>
-                    <a:lnB w="12700" cap="flat" cmpd="sng" algn="ctr">
-                      <a:solidFill>
-                        <a:schemeClr val="tx1"/>
-                      </a:solidFill>
-                      <a:prstDash val="solid"/>
-                      <a:round/>
-                      <a:headEnd type="none" w="med" len="med"/>
-                      <a:tailEnd type="none" w="med" len="med"/>
-                    </a:lnB>
-                    <a:solidFill>
-                      <a:schemeClr val="bg2"/>
-                    </a:solidFill>
-                  </a:tcPr>
-                </a:tc>
-                <a:tc>
-                  <a:txBody>
-                    <a:bodyPr/>
-                    <a:lstStyle/>
-                    <a:p>
-                      <a:pPr algn="ctr"/>
-                      <a:endParaRPr lang="en-US" dirty="0"/>
-                    </a:p>
-                  </a:txBody>
-                  <a:tcPr anchor="ctr">
-                    <a:lnL w="12700" cap="flat" cmpd="sng" algn="ctr">
-                      <a:solidFill>
-                        <a:schemeClr val="tx1"/>
-                      </a:solidFill>
-                      <a:prstDash val="solid"/>
-                      <a:round/>
-                      <a:headEnd type="none" w="med" len="med"/>
-                      <a:tailEnd type="none" w="med" len="med"/>
-                    </a:lnL>
-                    <a:lnR w="12700" cap="flat" cmpd="sng" algn="ctr">
-                      <a:solidFill>
-                        <a:schemeClr val="tx1"/>
-                      </a:solidFill>
-                      <a:prstDash val="solid"/>
-                      <a:round/>
-                      <a:headEnd type="none" w="med" len="med"/>
-                      <a:tailEnd type="none" w="med" len="med"/>
-                    </a:lnR>
-                    <a:lnT w="12700" cap="flat" cmpd="sng" algn="ctr">
-                      <a:solidFill>
-                        <a:schemeClr val="tx1"/>
-                      </a:solidFill>
-                      <a:prstDash val="solid"/>
-                      <a:round/>
-                      <a:headEnd type="none" w="med" len="med"/>
-                      <a:tailEnd type="none" w="med" len="med"/>
-                    </a:lnT>
-                    <a:lnB w="12700" cap="flat" cmpd="sng" algn="ctr">
-                      <a:solidFill>
-                        <a:schemeClr val="tx1"/>
-                      </a:solidFill>
-                      <a:prstDash val="solid"/>
-                      <a:round/>
-                      <a:headEnd type="none" w="med" len="med"/>
-                      <a:tailEnd type="none" w="med" len="med"/>
-                    </a:lnB>
-                    <a:solidFill>
-                      <a:schemeClr val="bg2"/>
-                    </a:solidFill>
-                  </a:tcPr>
-                </a:tc>
-                <a:tc>
-                  <a:txBody>
-                    <a:bodyPr/>
-                    <a:lstStyle/>
-                    <a:p>
-                      <a:pPr algn="ctr"/>
-                      <a:endParaRPr lang="en-US" dirty="0"/>
-                    </a:p>
-                  </a:txBody>
-                  <a:tcPr anchor="ctr">
-                    <a:lnL w="12700" cap="flat" cmpd="sng" algn="ctr">
-                      <a:solidFill>
-                        <a:schemeClr val="tx1"/>
-                      </a:solidFill>
-                      <a:prstDash val="solid"/>
-                      <a:round/>
-                      <a:headEnd type="none" w="med" len="med"/>
-                      <a:tailEnd type="none" w="med" len="med"/>
-                    </a:lnL>
-                    <a:lnR w="12700" cap="flat" cmpd="sng" algn="ctr">
-                      <a:solidFill>
-                        <a:schemeClr val="tx1"/>
-                      </a:solidFill>
-                      <a:prstDash val="solid"/>
-                      <a:round/>
-                      <a:headEnd type="none" w="med" len="med"/>
-                      <a:tailEnd type="none" w="med" len="med"/>
-                    </a:lnR>
-                    <a:lnT w="12700" cap="flat" cmpd="sng" algn="ctr">
-                      <a:solidFill>
-                        <a:schemeClr val="tx1"/>
-                      </a:solidFill>
-                      <a:prstDash val="solid"/>
-                      <a:round/>
-                      <a:headEnd type="none" w="med" len="med"/>
-                      <a:tailEnd type="none" w="med" len="med"/>
-                    </a:lnT>
-                    <a:lnB w="12700" cap="flat" cmpd="sng" algn="ctr">
-                      <a:solidFill>
-                        <a:schemeClr val="tx1"/>
-                      </a:solidFill>
-                      <a:prstDash val="solid"/>
-                      <a:round/>
-                      <a:headEnd type="none" w="med" len="med"/>
-                      <a:tailEnd type="none" w="med" len="med"/>
-                    </a:lnB>
-                    <a:solidFill>
-                      <a:schemeClr val="bg2"/>
-                    </a:solidFill>
-                  </a:tcPr>
-                </a:tc>
-                <a:extLst>
-                  <a:ext uri="{0D108BD9-81ED-4DB2-BD59-A6C34878D82A}">
-                    <a16:rowId xmlns:a16="http://schemas.microsoft.com/office/drawing/2014/main" val="785601988"/>
-                  </a:ext>
-                </a:extLst>
-              </a:tr>
-              <a:tr h="400064">
-                <a:tc>
-                  <a:txBody>
-                    <a:bodyPr/>
-                    <a:lstStyle/>
-                    <a:p>
-                      <a:pPr algn="ctr"/>
-                      <a:r>
-                        <a:rPr lang="en-US" dirty="0"/>
-                        <a:t>Optuna</a:t>
-                      </a:r>
-                    </a:p>
-                  </a:txBody>
-                  <a:tcPr anchor="ctr">
-                    <a:lnL w="12700" cap="flat" cmpd="sng" algn="ctr">
-                      <a:solidFill>
-                        <a:schemeClr val="tx1"/>
-                      </a:solidFill>
-                      <a:prstDash val="solid"/>
-                      <a:round/>
-                      <a:headEnd type="none" w="med" len="med"/>
-                      <a:tailEnd type="none" w="med" len="med"/>
-                    </a:lnL>
-                    <a:lnR w="12700" cap="flat" cmpd="sng" algn="ctr">
-                      <a:solidFill>
-                        <a:schemeClr val="tx1"/>
-                      </a:solidFill>
-                      <a:prstDash val="solid"/>
-                      <a:round/>
-                      <a:headEnd type="none" w="med" len="med"/>
-                      <a:tailEnd type="none" w="med" len="med"/>
-                    </a:lnR>
-                    <a:lnT w="12700" cap="flat" cmpd="sng" algn="ctr">
-                      <a:solidFill>
-                        <a:schemeClr val="tx1"/>
-                      </a:solidFill>
-                      <a:prstDash val="solid"/>
-                      <a:round/>
-                      <a:headEnd type="none" w="med" len="med"/>
-                      <a:tailEnd type="none" w="med" len="med"/>
-                    </a:lnT>
-                    <a:lnB w="12700" cap="flat" cmpd="sng" algn="ctr">
-                      <a:solidFill>
-                        <a:schemeClr val="tx1"/>
-                      </a:solidFill>
-                      <a:prstDash val="solid"/>
-                      <a:round/>
-                      <a:headEnd type="none" w="med" len="med"/>
-                      <a:tailEnd type="none" w="med" len="med"/>
-                    </a:lnB>
-                  </a:tcPr>
-                </a:tc>
-                <a:tc>
-                  <a:txBody>
-                    <a:bodyPr/>
-                    <a:lstStyle/>
-                    <a:p>
-                      <a:pPr algn="ctr"/>
-                      <a:endParaRPr lang="en-US" dirty="0"/>
-                    </a:p>
-                  </a:txBody>
-                  <a:tcPr anchor="ctr">
-                    <a:lnL w="12700" cap="flat" cmpd="sng" algn="ctr">
-                      <a:solidFill>
-                        <a:schemeClr val="tx1"/>
-                      </a:solidFill>
-                      <a:prstDash val="solid"/>
-                      <a:round/>
-                      <a:headEnd type="none" w="med" len="med"/>
-                      <a:tailEnd type="none" w="med" len="med"/>
-                    </a:lnL>
-                    <a:lnR w="12700" cap="flat" cmpd="sng" algn="ctr">
-                      <a:solidFill>
-                        <a:schemeClr val="tx1"/>
-                      </a:solidFill>
-                      <a:prstDash val="solid"/>
-                      <a:round/>
-                      <a:headEnd type="none" w="med" len="med"/>
-                      <a:tailEnd type="none" w="med" len="med"/>
-                    </a:lnR>
-                    <a:lnT w="12700" cap="flat" cmpd="sng" algn="ctr">
-                      <a:solidFill>
-                        <a:schemeClr val="tx1"/>
-                      </a:solidFill>
-                      <a:prstDash val="solid"/>
-                      <a:round/>
-                      <a:headEnd type="none" w="med" len="med"/>
-                      <a:tailEnd type="none" w="med" len="med"/>
-                    </a:lnT>
-                    <a:lnB w="12700" cap="flat" cmpd="sng" algn="ctr">
-                      <a:solidFill>
-                        <a:schemeClr val="tx1"/>
-                      </a:solidFill>
-                      <a:prstDash val="solid"/>
-                      <a:round/>
-                      <a:headEnd type="none" w="med" len="med"/>
-                      <a:tailEnd type="none" w="med" len="med"/>
-                    </a:lnB>
-                  </a:tcPr>
-                </a:tc>
-                <a:tc>
-                  <a:txBody>
-                    <a:bodyPr/>
-                    <a:lstStyle/>
-                    <a:p>
-                      <a:pPr algn="ctr"/>
-                      <a:endParaRPr lang="en-US" dirty="0"/>
-                    </a:p>
-                  </a:txBody>
-                  <a:tcPr anchor="ctr">
-                    <a:lnL w="12700" cap="flat" cmpd="sng" algn="ctr">
-                      <a:solidFill>
-                        <a:schemeClr val="tx1"/>
-                      </a:solidFill>
-                      <a:prstDash val="solid"/>
-                      <a:round/>
-                      <a:headEnd type="none" w="med" len="med"/>
-                      <a:tailEnd type="none" w="med" len="med"/>
-                    </a:lnL>
-                    <a:lnR w="12700" cap="flat" cmpd="sng" algn="ctr">
-                      <a:solidFill>
-                        <a:schemeClr val="tx1"/>
-                      </a:solidFill>
-                      <a:prstDash val="solid"/>
-                      <a:round/>
-                      <a:headEnd type="none" w="med" len="med"/>
-                      <a:tailEnd type="none" w="med" len="med"/>
-                    </a:lnR>
-                    <a:lnT w="12700" cap="flat" cmpd="sng" algn="ctr">
-                      <a:solidFill>
-                        <a:schemeClr val="tx1"/>
-                      </a:solidFill>
-                      <a:prstDash val="solid"/>
-                      <a:round/>
-                      <a:headEnd type="none" w="med" len="med"/>
-                      <a:tailEnd type="none" w="med" len="med"/>
-                    </a:lnT>
-                    <a:lnB w="12700" cap="flat" cmpd="sng" algn="ctr">
-                      <a:solidFill>
-                        <a:schemeClr val="tx1"/>
-                      </a:solidFill>
-                      <a:prstDash val="solid"/>
-                      <a:round/>
-                      <a:headEnd type="none" w="med" len="med"/>
-                      <a:tailEnd type="none" w="med" len="med"/>
-                    </a:lnB>
-                  </a:tcPr>
-                </a:tc>
-                <a:tc>
-                  <a:txBody>
-                    <a:bodyPr/>
-                    <a:lstStyle/>
-                    <a:p>
-                      <a:pPr algn="ctr"/>
-                      <a:endParaRPr lang="en-US" dirty="0"/>
-                    </a:p>
-                  </a:txBody>
-                  <a:tcPr anchor="ctr">
-                    <a:lnL w="12700" cap="flat" cmpd="sng" algn="ctr">
-                      <a:solidFill>
-                        <a:schemeClr val="tx1"/>
-                      </a:solidFill>
-                      <a:prstDash val="solid"/>
-                      <a:round/>
-                      <a:headEnd type="none" w="med" len="med"/>
-                      <a:tailEnd type="none" w="med" len="med"/>
-                    </a:lnL>
-                    <a:lnR w="12700" cap="flat" cmpd="sng" algn="ctr">
-                      <a:solidFill>
-                        <a:schemeClr val="tx1"/>
-                      </a:solidFill>
-                      <a:prstDash val="solid"/>
-                      <a:round/>
-                      <a:headEnd type="none" w="med" len="med"/>
-                      <a:tailEnd type="none" w="med" len="med"/>
-                    </a:lnR>
-                    <a:lnT w="12700" cap="flat" cmpd="sng" algn="ctr">
-                      <a:solidFill>
-                        <a:schemeClr val="tx1"/>
-                      </a:solidFill>
-                      <a:prstDash val="solid"/>
-                      <a:round/>
-                      <a:headEnd type="none" w="med" len="med"/>
-                      <a:tailEnd type="none" w="med" len="med"/>
-                    </a:lnT>
-                    <a:lnB w="12700" cap="flat" cmpd="sng" algn="ctr">
-                      <a:solidFill>
-                        <a:schemeClr val="tx1"/>
-                      </a:solidFill>
-                      <a:prstDash val="solid"/>
-                      <a:round/>
-                      <a:headEnd type="none" w="med" len="med"/>
-                      <a:tailEnd type="none" w="med" len="med"/>
-                    </a:lnB>
-                  </a:tcPr>
-                </a:tc>
-                <a:extLst>
-                  <a:ext uri="{0D108BD9-81ED-4DB2-BD59-A6C34878D82A}">
-                    <a16:rowId xmlns:a16="http://schemas.microsoft.com/office/drawing/2014/main" val="1701217843"/>
-                  </a:ext>
-                </a:extLst>
-              </a:tr>
-            </a:tbl>
-          </a:graphicData>
-        </a:graphic>
-      </p:graphicFrame>
       <p:sp>
         <p:nvSpPr>
           <p:cNvPr id="4" name="Title 1">
@@ -4224,221 +3970,12 @@
           </a:p>
         </p:txBody>
       </p:sp>
-      <p:graphicFrame>
-        <p:nvGraphicFramePr>
-          <p:cNvPr id="8" name="Table 7">
-            <a:extLst>
-              <a:ext uri="{FF2B5EF4-FFF2-40B4-BE49-F238E27FC236}">
-                <a16:creationId xmlns:a16="http://schemas.microsoft.com/office/drawing/2014/main" id="{EF189B8E-4867-BC4F-96E4-36C905F6AB40}"/>
-              </a:ext>
-            </a:extLst>
-          </p:cNvPr>
-          <p:cNvGraphicFramePr>
-            <a:graphicFrameLocks noGrp="1"/>
-          </p:cNvGraphicFramePr>
-          <p:nvPr>
-            <p:extLst>
-              <p:ext uri="{D42A27DB-BD31-4B8C-83A1-F6EECF244321}">
-                <p14:modId xmlns:p14="http://schemas.microsoft.com/office/powerpoint/2010/main" val="2641371188"/>
-              </p:ext>
-            </p:extLst>
-          </p:nvPr>
-        </p:nvGraphicFramePr>
-        <p:xfrm>
-          <a:off x="9883346" y="2920677"/>
-          <a:ext cx="1903456" cy="1440208"/>
-        </p:xfrm>
-        <a:graphic>
-          <a:graphicData uri="http://schemas.openxmlformats.org/drawingml/2006/table">
-            <a:tbl>
-              <a:tblPr firstRow="1" bandRow="1">
-                <a:tableStyleId>{793D81CF-94F2-401A-BA57-92F5A7B2D0C5}</a:tableStyleId>
-              </a:tblPr>
-              <a:tblGrid>
-                <a:gridCol w="1903456">
-                  <a:extLst>
-                    <a:ext uri="{9D8B030D-6E8A-4147-A177-3AD203B41FA5}">
-                      <a16:colId xmlns:a16="http://schemas.microsoft.com/office/drawing/2014/main" val="1266688935"/>
-                    </a:ext>
-                  </a:extLst>
-                </a:gridCol>
-              </a:tblGrid>
-              <a:tr h="400064">
-                <a:tc>
-                  <a:txBody>
-                    <a:bodyPr/>
-                    <a:lstStyle/>
-                    <a:p>
-                      <a:pPr algn="ctr"/>
-                      <a:r>
-                        <a:rPr lang="en-US" dirty="0"/>
-                        <a:t>Computational Expense</a:t>
-                      </a:r>
-                    </a:p>
-                  </a:txBody>
-                  <a:tcPr anchor="ctr">
-                    <a:lnL w="12700" cap="flat" cmpd="sng" algn="ctr">
-                      <a:solidFill>
-                        <a:schemeClr val="tx1"/>
-                      </a:solidFill>
-                      <a:prstDash val="solid"/>
-                      <a:round/>
-                      <a:headEnd type="none" w="med" len="med"/>
-                      <a:tailEnd type="none" w="med" len="med"/>
-                    </a:lnL>
-                    <a:lnR w="12700" cap="flat" cmpd="sng" algn="ctr">
-                      <a:solidFill>
-                        <a:schemeClr val="tx1"/>
-                      </a:solidFill>
-                      <a:prstDash val="solid"/>
-                      <a:round/>
-                      <a:headEnd type="none" w="med" len="med"/>
-                      <a:tailEnd type="none" w="med" len="med"/>
-                    </a:lnR>
-                    <a:lnT w="12700" cap="flat" cmpd="sng" algn="ctr">
-                      <a:solidFill>
-                        <a:schemeClr val="tx1"/>
-                      </a:solidFill>
-                      <a:prstDash val="solid"/>
-                      <a:round/>
-                      <a:headEnd type="none" w="med" len="med"/>
-                      <a:tailEnd type="none" w="med" len="med"/>
-                    </a:lnT>
-                    <a:lnB w="12700" cap="flat" cmpd="sng" algn="ctr">
-                      <a:solidFill>
-                        <a:schemeClr val="tx1"/>
-                      </a:solidFill>
-                      <a:prstDash val="solid"/>
-                      <a:round/>
-                      <a:headEnd type="none" w="med" len="med"/>
-                      <a:tailEnd type="none" w="med" len="med"/>
-                    </a:lnB>
-                  </a:tcPr>
-                </a:tc>
-                <a:extLst>
-                  <a:ext uri="{0D108BD9-81ED-4DB2-BD59-A6C34878D82A}">
-                    <a16:rowId xmlns:a16="http://schemas.microsoft.com/office/drawing/2014/main" val="4263480181"/>
-                  </a:ext>
-                </a:extLst>
-              </a:tr>
-              <a:tr h="400064">
-                <a:tc>
-                  <a:txBody>
-                    <a:bodyPr/>
-                    <a:lstStyle/>
-                    <a:p>
-                      <a:endParaRPr lang="en-US" dirty="0"/>
-                    </a:p>
-                  </a:txBody>
-                  <a:tcPr>
-                    <a:lnL w="12700" cap="flat" cmpd="sng" algn="ctr">
-                      <a:solidFill>
-                        <a:schemeClr val="tx1"/>
-                      </a:solidFill>
-                      <a:prstDash val="solid"/>
-                      <a:round/>
-                      <a:headEnd type="none" w="med" len="med"/>
-                      <a:tailEnd type="none" w="med" len="med"/>
-                    </a:lnL>
-                    <a:lnR w="12700" cap="flat" cmpd="sng" algn="ctr">
-                      <a:solidFill>
-                        <a:schemeClr val="tx1"/>
-                      </a:solidFill>
-                      <a:prstDash val="solid"/>
-                      <a:round/>
-                      <a:headEnd type="none" w="med" len="med"/>
-                      <a:tailEnd type="none" w="med" len="med"/>
-                    </a:lnR>
-                    <a:lnT w="12700" cap="flat" cmpd="sng" algn="ctr">
-                      <a:solidFill>
-                        <a:schemeClr val="tx1"/>
-                      </a:solidFill>
-                      <a:prstDash val="solid"/>
-                      <a:round/>
-                      <a:headEnd type="none" w="med" len="med"/>
-                      <a:tailEnd type="none" w="med" len="med"/>
-                    </a:lnT>
-                    <a:lnB w="12700" cap="flat" cmpd="sng" algn="ctr">
-                      <a:solidFill>
-                        <a:schemeClr val="tx1"/>
-                      </a:solidFill>
-                      <a:prstDash val="solid"/>
-                      <a:round/>
-                      <a:headEnd type="none" w="med" len="med"/>
-                      <a:tailEnd type="none" w="med" len="med"/>
-                    </a:lnB>
-                  </a:tcPr>
-                </a:tc>
-                <a:extLst>
-                  <a:ext uri="{0D108BD9-81ED-4DB2-BD59-A6C34878D82A}">
-                    <a16:rowId xmlns:a16="http://schemas.microsoft.com/office/drawing/2014/main" val="2881936447"/>
-                  </a:ext>
-                </a:extLst>
-              </a:tr>
-              <a:tr h="400064">
-                <a:tc>
-                  <a:txBody>
-                    <a:bodyPr/>
-                    <a:lstStyle/>
-                    <a:p>
-                      <a:endParaRPr lang="en-US" dirty="0"/>
-                    </a:p>
-                  </a:txBody>
-                  <a:tcPr>
-                    <a:lnL w="12700" cap="flat" cmpd="sng" algn="ctr">
-                      <a:solidFill>
-                        <a:schemeClr val="tx1"/>
-                      </a:solidFill>
-                      <a:prstDash val="solid"/>
-                      <a:round/>
-                      <a:headEnd type="none" w="med" len="med"/>
-                      <a:tailEnd type="none" w="med" len="med"/>
-                    </a:lnL>
-                    <a:lnR w="12700" cap="flat" cmpd="sng" algn="ctr">
-                      <a:solidFill>
-                        <a:schemeClr val="tx1"/>
-                      </a:solidFill>
-                      <a:prstDash val="solid"/>
-                      <a:round/>
-                      <a:headEnd type="none" w="med" len="med"/>
-                      <a:tailEnd type="none" w="med" len="med"/>
-                    </a:lnR>
-                    <a:lnT w="12700" cap="flat" cmpd="sng" algn="ctr">
-                      <a:solidFill>
-                        <a:schemeClr val="tx1"/>
-                      </a:solidFill>
-                      <a:prstDash val="solid"/>
-                      <a:round/>
-                      <a:headEnd type="none" w="med" len="med"/>
-                      <a:tailEnd type="none" w="med" len="med"/>
-                    </a:lnT>
-                    <a:lnB w="12700" cap="flat" cmpd="sng" algn="ctr">
-                      <a:solidFill>
-                        <a:schemeClr val="tx1"/>
-                      </a:solidFill>
-                      <a:prstDash val="solid"/>
-                      <a:round/>
-                      <a:headEnd type="none" w="med" len="med"/>
-                      <a:tailEnd type="none" w="med" len="med"/>
-                    </a:lnB>
-                  </a:tcPr>
-                </a:tc>
-                <a:extLst>
-                  <a:ext uri="{0D108BD9-81ED-4DB2-BD59-A6C34878D82A}">
-                    <a16:rowId xmlns:a16="http://schemas.microsoft.com/office/drawing/2014/main" val="1704292528"/>
-                  </a:ext>
-                </a:extLst>
-              </a:tr>
-            </a:tbl>
-          </a:graphicData>
-        </a:graphic>
-      </p:graphicFrame>
-      <p:sp>
-        <p:nvSpPr>
-          <p:cNvPr id="9" name="TextBox 8">
-            <a:extLst>
-              <a:ext uri="{FF2B5EF4-FFF2-40B4-BE49-F238E27FC236}">
-                <a16:creationId xmlns:a16="http://schemas.microsoft.com/office/drawing/2014/main" id="{0AC17E4A-661C-1045-A62C-BB1B7DD9AD57}"/>
+      <p:sp>
+        <p:nvSpPr>
+          <p:cNvPr id="19" name="TextBox 18">
+            <a:extLst>
+              <a:ext uri="{FF2B5EF4-FFF2-40B4-BE49-F238E27FC236}">
+                <a16:creationId xmlns:a16="http://schemas.microsoft.com/office/drawing/2014/main" id="{3FC18BCF-0A97-524F-9F11-32F91928CB68}"/>
               </a:ext>
             </a:extLst>
           </p:cNvPr>
@@ -4447,8 +3984,8 @@
         </p:nvSpPr>
         <p:spPr>
           <a:xfrm>
-            <a:off x="8469269" y="3695775"/>
-            <a:ext cx="988541" cy="383059"/>
+            <a:off x="417555" y="856778"/>
+            <a:ext cx="11356889" cy="3416320"/>
           </a:xfrm>
           <a:prstGeom prst="rect">
             <a:avLst/>
@@ -4461,620 +3998,161 @@
           </a:bodyPr>
           <a:lstStyle/>
           <a:p>
-            <a:pPr algn="ctr"/>
+            <a:pPr marL="285750" indent="-285750">
+              <a:buFont typeface="Arial" panose="020B0604020202020204" pitchFamily="34" charset="0"/>
+              <a:buChar char="•"/>
+            </a:pPr>
+            <a:r>
+              <a:rPr lang="en-US" i="1" dirty="0"/>
+              <a:t>We are the </a:t>
+            </a:r>
+            <a:r>
+              <a:rPr lang="en-US" b="1" i="1" u="sng" dirty="0"/>
+              <a:t>Optimistic Optimizers, </a:t>
+            </a:r>
+            <a:r>
+              <a:rPr lang="en-US" i="1" dirty="0"/>
+              <a:t>and our project is to explore and test a variety of optimizing tools with many different objective functions to provide a guide for users to identify the best optimizing tool for their specific optimization needs. </a:t>
+            </a:r>
+          </a:p>
+          <a:p>
+            <a:pPr marL="285750" indent="-285750">
+              <a:buFont typeface="Arial" panose="020B0604020202020204" pitchFamily="34" charset="0"/>
+              <a:buChar char="•"/>
+            </a:pPr>
+            <a:r>
+              <a:rPr lang="en-US" b="1" i="1" dirty="0"/>
+              <a:t>Optimization</a:t>
+            </a:r>
             <a:r>
               <a:rPr lang="en-US" dirty="0"/>
-              <a:t>…………</a:t>
-            </a:r>
-          </a:p>
-        </p:txBody>
-      </p:sp>
-      <p:sp>
-        <p:nvSpPr>
-          <p:cNvPr id="11" name="TextBox 10">
-            <a:extLst>
-              <a:ext uri="{FF2B5EF4-FFF2-40B4-BE49-F238E27FC236}">
-                <a16:creationId xmlns:a16="http://schemas.microsoft.com/office/drawing/2014/main" id="{9E7D8C59-A040-254D-A6F5-6EAB6D98B9CA}"/>
-              </a:ext>
-            </a:extLst>
-          </p:cNvPr>
-          <p:cNvSpPr txBox="1"/>
-          <p:nvPr/>
+              <a:t> is an important tool in making decisions and in analyzing physical systems. In mathematical terms, an </a:t>
+            </a:r>
+            <a:r>
+              <a:rPr lang="en-US" b="1" i="1" dirty="0"/>
+              <a:t>optimization problem</a:t>
+            </a:r>
+            <a:r>
+              <a:rPr lang="en-US" dirty="0"/>
+              <a:t> is the problem of finding the </a:t>
+            </a:r>
+            <a:r>
+              <a:rPr lang="en-US" i="1" dirty="0"/>
+              <a:t>best</a:t>
+            </a:r>
+            <a:r>
+              <a:rPr lang="en-US" dirty="0"/>
+              <a:t> solution (i.e., maxima or minima) from among the set of all </a:t>
+            </a:r>
+            <a:r>
+              <a:rPr lang="en-US" i="1" dirty="0"/>
+              <a:t>feasible</a:t>
+            </a:r>
+            <a:r>
+              <a:rPr lang="en-US" dirty="0"/>
+              <a:t> solutions. </a:t>
+            </a:r>
+          </a:p>
+          <a:p>
+            <a:pPr marL="285750" indent="-285750">
+              <a:buFont typeface="Arial" panose="020B0604020202020204" pitchFamily="34" charset="0"/>
+              <a:buChar char="•"/>
+            </a:pPr>
+            <a:r>
+              <a:rPr lang="en-US" i="1" dirty="0"/>
+              <a:t>We chose to do this project because we appreciate the essentiality of the application and the importance of making it a less expensive and timely process. </a:t>
+            </a:r>
+          </a:p>
+          <a:p>
+            <a:pPr marL="285750" indent="-285750">
+              <a:buFont typeface="Arial" panose="020B0604020202020204" pitchFamily="34" charset="0"/>
+              <a:buChar char="•"/>
+            </a:pPr>
+            <a:r>
+              <a:rPr lang="en-US" i="1" dirty="0"/>
+              <a:t>Complex functions include non-linear, non-convex and noisy. (multiple local maxima/minima)</a:t>
+            </a:r>
+          </a:p>
+          <a:p>
+            <a:endParaRPr lang="en-US" b="1" i="1" dirty="0"/>
+          </a:p>
+          <a:p>
+            <a:endParaRPr lang="en-US" dirty="0">
+              <a:highlight>
+                <a:srgbClr val="FFFF00"/>
+              </a:highlight>
+            </a:endParaRPr>
+          </a:p>
+          <a:p>
+            <a:endParaRPr lang="en-US" dirty="0"/>
+          </a:p>
+        </p:txBody>
+      </p:sp>
+      <p:sp>
+        <p:nvSpPr>
+          <p:cNvPr id="5" name="Content Placeholder 4">
+            <a:extLst>
+              <a:ext uri="{FF2B5EF4-FFF2-40B4-BE49-F238E27FC236}">
+                <a16:creationId xmlns:a16="http://schemas.microsoft.com/office/drawing/2014/main" id="{E8676FD2-6B07-9146-8A57-446B87700536}"/>
+              </a:ext>
+            </a:extLst>
+          </p:cNvPr>
+          <p:cNvSpPr>
+            <a:spLocks noGrp="1"/>
+          </p:cNvSpPr>
+          <p:nvPr>
+            <p:ph idx="1"/>
+          </p:nvPr>
         </p:nvSpPr>
         <p:spPr>
           <a:xfrm>
-            <a:off x="8227283" y="2809783"/>
-            <a:ext cx="1472515" cy="830997"/>
+            <a:off x="640230" y="3852635"/>
+            <a:ext cx="5177943" cy="2298532"/>
+          </a:xfrm>
+        </p:spPr>
+        <p:txBody>
+          <a:bodyPr>
+            <a:normAutofit/>
+          </a:bodyPr>
+          <a:lstStyle/>
+          <a:p>
+            <a:pPr marL="0" indent="0">
+              <a:buNone/>
+            </a:pPr>
+            <a:endParaRPr lang="en-US" sz="1800" dirty="0"/>
+          </a:p>
+        </p:txBody>
+      </p:sp>
+      <p:pic>
+        <p:nvPicPr>
+          <p:cNvPr id="15" name="Picture 14" descr="Chart, line chart&#10;&#10;Description automatically generated">
+            <a:extLst>
+              <a:ext uri="{FF2B5EF4-FFF2-40B4-BE49-F238E27FC236}">
+                <a16:creationId xmlns:a16="http://schemas.microsoft.com/office/drawing/2014/main" id="{EC8136C1-88EF-9C41-BC90-ACDA8201957D}"/>
+              </a:ext>
+            </a:extLst>
+          </p:cNvPr>
+          <p:cNvPicPr>
+            <a:picLocks noChangeAspect="1"/>
+          </p:cNvPicPr>
+          <p:nvPr/>
+        </p:nvPicPr>
+        <p:blipFill>
+          <a:blip r:embed="rId3"/>
+          <a:stretch>
+            <a:fillRect/>
+          </a:stretch>
+        </p:blipFill>
+        <p:spPr>
+          <a:xfrm>
+            <a:off x="5955738" y="3738521"/>
+            <a:ext cx="6109487" cy="2548992"/>
           </a:xfrm>
           <a:prstGeom prst="rect">
             <a:avLst/>
           </a:prstGeom>
-          <a:noFill/>
         </p:spPr>
-        <p:txBody>
-          <a:bodyPr wrap="square" rtlCol="0">
-            <a:spAutoFit/>
-          </a:bodyPr>
-          <a:lstStyle/>
-          <a:p>
-            <a:pPr algn="ctr"/>
-            <a:r>
-              <a:rPr lang="en-US" sz="1600" dirty="0"/>
-              <a:t>Additional Features to be determined</a:t>
-            </a:r>
-          </a:p>
-        </p:txBody>
-      </p:sp>
-      <p:graphicFrame>
-        <p:nvGraphicFramePr>
-          <p:cNvPr id="12" name="Table 11">
-            <a:extLst>
-              <a:ext uri="{FF2B5EF4-FFF2-40B4-BE49-F238E27FC236}">
-                <a16:creationId xmlns:a16="http://schemas.microsoft.com/office/drawing/2014/main" id="{24E5B23F-7212-7140-9A12-A673B4E38BB6}"/>
-              </a:ext>
-            </a:extLst>
-          </p:cNvPr>
-          <p:cNvGraphicFramePr>
-            <a:graphicFrameLocks noGrp="1"/>
-          </p:cNvGraphicFramePr>
-          <p:nvPr>
-            <p:extLst>
-              <p:ext uri="{D42A27DB-BD31-4B8C-83A1-F6EECF244321}">
-                <p14:modId xmlns:p14="http://schemas.microsoft.com/office/powerpoint/2010/main" val="3717831196"/>
-              </p:ext>
-            </p:extLst>
-          </p:nvPr>
-        </p:nvGraphicFramePr>
-        <p:xfrm>
-          <a:off x="429912" y="5907417"/>
-          <a:ext cx="7613824" cy="400064"/>
-        </p:xfrm>
-        <a:graphic>
-          <a:graphicData uri="http://schemas.openxmlformats.org/drawingml/2006/table">
-            <a:tbl>
-              <a:tblPr firstRow="1" bandRow="1">
-                <a:tableStyleId>{793D81CF-94F2-401A-BA57-92F5A7B2D0C5}</a:tableStyleId>
-              </a:tblPr>
-              <a:tblGrid>
-                <a:gridCol w="1903456">
-                  <a:extLst>
-                    <a:ext uri="{9D8B030D-6E8A-4147-A177-3AD203B41FA5}">
-                      <a16:colId xmlns:a16="http://schemas.microsoft.com/office/drawing/2014/main" val="3066178252"/>
-                    </a:ext>
-                  </a:extLst>
-                </a:gridCol>
-                <a:gridCol w="1903456">
-                  <a:extLst>
-                    <a:ext uri="{9D8B030D-6E8A-4147-A177-3AD203B41FA5}">
-                      <a16:colId xmlns:a16="http://schemas.microsoft.com/office/drawing/2014/main" val="3617762363"/>
-                    </a:ext>
-                  </a:extLst>
-                </a:gridCol>
-                <a:gridCol w="1903456">
-                  <a:extLst>
-                    <a:ext uri="{9D8B030D-6E8A-4147-A177-3AD203B41FA5}">
-                      <a16:colId xmlns:a16="http://schemas.microsoft.com/office/drawing/2014/main" val="1791896128"/>
-                    </a:ext>
-                  </a:extLst>
-                </a:gridCol>
-                <a:gridCol w="1903456">
-                  <a:extLst>
-                    <a:ext uri="{9D8B030D-6E8A-4147-A177-3AD203B41FA5}">
-                      <a16:colId xmlns:a16="http://schemas.microsoft.com/office/drawing/2014/main" val="2808476707"/>
-                    </a:ext>
-                  </a:extLst>
-                </a:gridCol>
-              </a:tblGrid>
-              <a:tr h="400064">
-                <a:tc>
-                  <a:txBody>
-                    <a:bodyPr/>
-                    <a:lstStyle/>
-                    <a:p>
-                      <a:pPr algn="ctr"/>
-                      <a:r>
-                        <a:rPr lang="en-US" sz="1800" b="0" dirty="0" err="1">
-                          <a:solidFill>
-                            <a:schemeClr val="tx1"/>
-                          </a:solidFill>
-                        </a:rPr>
-                        <a:t>BayesO</a:t>
-                      </a:r>
-                      <a:endParaRPr lang="en-US" b="0" dirty="0">
-                        <a:solidFill>
-                          <a:schemeClr val="tx1"/>
-                        </a:solidFill>
-                      </a:endParaRPr>
-                    </a:p>
-                  </a:txBody>
-                  <a:tcPr anchor="ctr">
-                    <a:lnL w="12700" cap="flat" cmpd="sng" algn="ctr">
-                      <a:solidFill>
-                        <a:schemeClr val="tx1"/>
-                      </a:solidFill>
-                      <a:prstDash val="solid"/>
-                      <a:round/>
-                      <a:headEnd type="none" w="med" len="med"/>
-                      <a:tailEnd type="none" w="med" len="med"/>
-                    </a:lnL>
-                    <a:lnR w="12700" cap="flat" cmpd="sng" algn="ctr">
-                      <a:solidFill>
-                        <a:schemeClr val="tx1"/>
-                      </a:solidFill>
-                      <a:prstDash val="solid"/>
-                      <a:round/>
-                      <a:headEnd type="none" w="med" len="med"/>
-                      <a:tailEnd type="none" w="med" len="med"/>
-                    </a:lnR>
-                    <a:lnT w="12700" cap="flat" cmpd="sng" algn="ctr">
-                      <a:solidFill>
-                        <a:schemeClr val="tx1"/>
-                      </a:solidFill>
-                      <a:prstDash val="solid"/>
-                      <a:round/>
-                      <a:headEnd type="none" w="med" len="med"/>
-                      <a:tailEnd type="none" w="med" len="med"/>
-                    </a:lnT>
-                    <a:lnB w="12700" cap="flat" cmpd="sng" algn="ctr">
-                      <a:solidFill>
-                        <a:schemeClr val="tx1"/>
-                      </a:solidFill>
-                      <a:prstDash val="solid"/>
-                      <a:round/>
-                      <a:headEnd type="none" w="med" len="med"/>
-                      <a:tailEnd type="none" w="med" len="med"/>
-                    </a:lnB>
-                    <a:solidFill>
-                      <a:schemeClr val="bg2"/>
-                    </a:solidFill>
-                  </a:tcPr>
-                </a:tc>
-                <a:tc>
-                  <a:txBody>
-                    <a:bodyPr/>
-                    <a:lstStyle/>
-                    <a:p>
-                      <a:pPr algn="ctr"/>
-                      <a:endParaRPr lang="en-US" b="0" dirty="0">
-                        <a:solidFill>
-                          <a:schemeClr val="tx1"/>
-                        </a:solidFill>
-                      </a:endParaRPr>
-                    </a:p>
-                  </a:txBody>
-                  <a:tcPr anchor="ctr">
-                    <a:lnL w="12700" cap="flat" cmpd="sng" algn="ctr">
-                      <a:solidFill>
-                        <a:schemeClr val="tx1"/>
-                      </a:solidFill>
-                      <a:prstDash val="solid"/>
-                      <a:round/>
-                      <a:headEnd type="none" w="med" len="med"/>
-                      <a:tailEnd type="none" w="med" len="med"/>
-                    </a:lnL>
-                    <a:lnR w="12700" cap="flat" cmpd="sng" algn="ctr">
-                      <a:solidFill>
-                        <a:schemeClr val="tx1"/>
-                      </a:solidFill>
-                      <a:prstDash val="solid"/>
-                      <a:round/>
-                      <a:headEnd type="none" w="med" len="med"/>
-                      <a:tailEnd type="none" w="med" len="med"/>
-                    </a:lnR>
-                    <a:lnT w="12700" cap="flat" cmpd="sng" algn="ctr">
-                      <a:solidFill>
-                        <a:schemeClr val="tx1"/>
-                      </a:solidFill>
-                      <a:prstDash val="solid"/>
-                      <a:round/>
-                      <a:headEnd type="none" w="med" len="med"/>
-                      <a:tailEnd type="none" w="med" len="med"/>
-                    </a:lnT>
-                    <a:lnB w="12700" cap="flat" cmpd="sng" algn="ctr">
-                      <a:solidFill>
-                        <a:schemeClr val="tx1"/>
-                      </a:solidFill>
-                      <a:prstDash val="solid"/>
-                      <a:round/>
-                      <a:headEnd type="none" w="med" len="med"/>
-                      <a:tailEnd type="none" w="med" len="med"/>
-                    </a:lnB>
-                    <a:solidFill>
-                      <a:schemeClr val="bg2"/>
-                    </a:solidFill>
-                  </a:tcPr>
-                </a:tc>
-                <a:tc>
-                  <a:txBody>
-                    <a:bodyPr/>
-                    <a:lstStyle/>
-                    <a:p>
-                      <a:pPr algn="ctr"/>
-                      <a:endParaRPr lang="en-US" b="0" dirty="0">
-                        <a:solidFill>
-                          <a:schemeClr val="tx1"/>
-                        </a:solidFill>
-                      </a:endParaRPr>
-                    </a:p>
-                  </a:txBody>
-                  <a:tcPr anchor="ctr">
-                    <a:lnL w="12700" cap="flat" cmpd="sng" algn="ctr">
-                      <a:solidFill>
-                        <a:schemeClr val="tx1"/>
-                      </a:solidFill>
-                      <a:prstDash val="solid"/>
-                      <a:round/>
-                      <a:headEnd type="none" w="med" len="med"/>
-                      <a:tailEnd type="none" w="med" len="med"/>
-                    </a:lnL>
-                    <a:lnR w="12700" cap="flat" cmpd="sng" algn="ctr">
-                      <a:solidFill>
-                        <a:schemeClr val="tx1"/>
-                      </a:solidFill>
-                      <a:prstDash val="solid"/>
-                      <a:round/>
-                      <a:headEnd type="none" w="med" len="med"/>
-                      <a:tailEnd type="none" w="med" len="med"/>
-                    </a:lnR>
-                    <a:lnT w="12700" cap="flat" cmpd="sng" algn="ctr">
-                      <a:solidFill>
-                        <a:schemeClr val="tx1"/>
-                      </a:solidFill>
-                      <a:prstDash val="solid"/>
-                      <a:round/>
-                      <a:headEnd type="none" w="med" len="med"/>
-                      <a:tailEnd type="none" w="med" len="med"/>
-                    </a:lnT>
-                    <a:lnB w="12700" cap="flat" cmpd="sng" algn="ctr">
-                      <a:solidFill>
-                        <a:schemeClr val="tx1"/>
-                      </a:solidFill>
-                      <a:prstDash val="solid"/>
-                      <a:round/>
-                      <a:headEnd type="none" w="med" len="med"/>
-                      <a:tailEnd type="none" w="med" len="med"/>
-                    </a:lnB>
-                    <a:solidFill>
-                      <a:schemeClr val="bg2"/>
-                    </a:solidFill>
-                  </a:tcPr>
-                </a:tc>
-                <a:tc>
-                  <a:txBody>
-                    <a:bodyPr/>
-                    <a:lstStyle/>
-                    <a:p>
-                      <a:pPr algn="ctr"/>
-                      <a:endParaRPr lang="en-US" b="0" dirty="0">
-                        <a:solidFill>
-                          <a:schemeClr val="tx1"/>
-                        </a:solidFill>
-                      </a:endParaRPr>
-                    </a:p>
-                  </a:txBody>
-                  <a:tcPr anchor="ctr">
-                    <a:lnL w="12700" cap="flat" cmpd="sng" algn="ctr">
-                      <a:solidFill>
-                        <a:schemeClr val="tx1"/>
-                      </a:solidFill>
-                      <a:prstDash val="solid"/>
-                      <a:round/>
-                      <a:headEnd type="none" w="med" len="med"/>
-                      <a:tailEnd type="none" w="med" len="med"/>
-                    </a:lnL>
-                    <a:lnR w="12700" cap="flat" cmpd="sng" algn="ctr">
-                      <a:solidFill>
-                        <a:schemeClr val="tx1"/>
-                      </a:solidFill>
-                      <a:prstDash val="solid"/>
-                      <a:round/>
-                      <a:headEnd type="none" w="med" len="med"/>
-                      <a:tailEnd type="none" w="med" len="med"/>
-                    </a:lnR>
-                    <a:lnT w="12700" cap="flat" cmpd="sng" algn="ctr">
-                      <a:solidFill>
-                        <a:schemeClr val="tx1"/>
-                      </a:solidFill>
-                      <a:prstDash val="solid"/>
-                      <a:round/>
-                      <a:headEnd type="none" w="med" len="med"/>
-                      <a:tailEnd type="none" w="med" len="med"/>
-                    </a:lnT>
-                    <a:lnB w="12700" cap="flat" cmpd="sng" algn="ctr">
-                      <a:solidFill>
-                        <a:schemeClr val="tx1"/>
-                      </a:solidFill>
-                      <a:prstDash val="solid"/>
-                      <a:round/>
-                      <a:headEnd type="none" w="med" len="med"/>
-                      <a:tailEnd type="none" w="med" len="med"/>
-                    </a:lnB>
-                    <a:solidFill>
-                      <a:schemeClr val="bg2"/>
-                    </a:solidFill>
-                  </a:tcPr>
-                </a:tc>
-                <a:extLst>
-                  <a:ext uri="{0D108BD9-81ED-4DB2-BD59-A6C34878D82A}">
-                    <a16:rowId xmlns:a16="http://schemas.microsoft.com/office/drawing/2014/main" val="1226159094"/>
-                  </a:ext>
-                </a:extLst>
-              </a:tr>
-            </a:tbl>
-          </a:graphicData>
-        </a:graphic>
-      </p:graphicFrame>
-      <p:sp>
-        <p:nvSpPr>
-          <p:cNvPr id="13" name="TextBox 12">
-            <a:extLst>
-              <a:ext uri="{FF2B5EF4-FFF2-40B4-BE49-F238E27FC236}">
-                <a16:creationId xmlns:a16="http://schemas.microsoft.com/office/drawing/2014/main" id="{548FCEB9-3A88-C748-A10F-005C8B80EF26}"/>
-              </a:ext>
-            </a:extLst>
-          </p:cNvPr>
-          <p:cNvSpPr txBox="1"/>
-          <p:nvPr/>
-        </p:nvSpPr>
-        <p:spPr>
-          <a:xfrm rot="5400000">
-            <a:off x="1182130" y="5005976"/>
-            <a:ext cx="988541" cy="383059"/>
-          </a:xfrm>
-          <a:prstGeom prst="rect">
-            <a:avLst/>
-          </a:prstGeom>
-          <a:noFill/>
-        </p:spPr>
-        <p:txBody>
-          <a:bodyPr wrap="square" rtlCol="0">
-            <a:spAutoFit/>
-          </a:bodyPr>
-          <a:lstStyle/>
-          <a:p>
-            <a:pPr algn="ctr"/>
-            <a:r>
-              <a:rPr lang="en-US" dirty="0"/>
-              <a:t>…………</a:t>
-            </a:r>
-          </a:p>
-        </p:txBody>
-      </p:sp>
-      <p:graphicFrame>
-        <p:nvGraphicFramePr>
-          <p:cNvPr id="17" name="Table 16">
-            <a:extLst>
-              <a:ext uri="{FF2B5EF4-FFF2-40B4-BE49-F238E27FC236}">
-                <a16:creationId xmlns:a16="http://schemas.microsoft.com/office/drawing/2014/main" id="{F9B67959-BFBE-994B-9BFB-BD2D3EE65AF3}"/>
-              </a:ext>
-            </a:extLst>
-          </p:cNvPr>
-          <p:cNvGraphicFramePr>
-            <a:graphicFrameLocks noGrp="1"/>
-          </p:cNvGraphicFramePr>
-          <p:nvPr>
-            <p:extLst>
-              <p:ext uri="{D42A27DB-BD31-4B8C-83A1-F6EECF244321}">
-                <p14:modId xmlns:p14="http://schemas.microsoft.com/office/powerpoint/2010/main" val="2022963849"/>
-              </p:ext>
-            </p:extLst>
-          </p:nvPr>
-        </p:nvGraphicFramePr>
-        <p:xfrm>
-          <a:off x="9883346" y="5907417"/>
-          <a:ext cx="1903456" cy="400064"/>
-        </p:xfrm>
-        <a:graphic>
-          <a:graphicData uri="http://schemas.openxmlformats.org/drawingml/2006/table">
-            <a:tbl>
-              <a:tblPr firstRow="1" bandRow="1">
-                <a:tableStyleId>{793D81CF-94F2-401A-BA57-92F5A7B2D0C5}</a:tableStyleId>
-              </a:tblPr>
-              <a:tblGrid>
-                <a:gridCol w="1903456">
-                  <a:extLst>
-                    <a:ext uri="{9D8B030D-6E8A-4147-A177-3AD203B41FA5}">
-                      <a16:colId xmlns:a16="http://schemas.microsoft.com/office/drawing/2014/main" val="1266688935"/>
-                    </a:ext>
-                  </a:extLst>
-                </a:gridCol>
-              </a:tblGrid>
-              <a:tr h="400064">
-                <a:tc>
-                  <a:txBody>
-                    <a:bodyPr/>
-                    <a:lstStyle/>
-                    <a:p>
-                      <a:endParaRPr lang="en-US" dirty="0"/>
-                    </a:p>
-                  </a:txBody>
-                  <a:tcPr>
-                    <a:lnL w="12700" cap="flat" cmpd="sng" algn="ctr">
-                      <a:solidFill>
-                        <a:schemeClr val="tx1"/>
-                      </a:solidFill>
-                      <a:prstDash val="solid"/>
-                      <a:round/>
-                      <a:headEnd type="none" w="med" len="med"/>
-                      <a:tailEnd type="none" w="med" len="med"/>
-                    </a:lnL>
-                    <a:lnR w="12700" cap="flat" cmpd="sng" algn="ctr">
-                      <a:solidFill>
-                        <a:schemeClr val="tx1"/>
-                      </a:solidFill>
-                      <a:prstDash val="solid"/>
-                      <a:round/>
-                      <a:headEnd type="none" w="med" len="med"/>
-                      <a:tailEnd type="none" w="med" len="med"/>
-                    </a:lnR>
-                    <a:lnT w="12700" cap="flat" cmpd="sng" algn="ctr">
-                      <a:solidFill>
-                        <a:schemeClr val="tx1"/>
-                      </a:solidFill>
-                      <a:prstDash val="solid"/>
-                      <a:round/>
-                      <a:headEnd type="none" w="med" len="med"/>
-                      <a:tailEnd type="none" w="med" len="med"/>
-                    </a:lnT>
-                    <a:lnB w="12700" cap="flat" cmpd="sng" algn="ctr">
-                      <a:solidFill>
-                        <a:schemeClr val="tx1"/>
-                      </a:solidFill>
-                      <a:prstDash val="solid"/>
-                      <a:round/>
-                      <a:headEnd type="none" w="med" len="med"/>
-                      <a:tailEnd type="none" w="med" len="med"/>
-                    </a:lnB>
-                    <a:solidFill>
-                      <a:schemeClr val="bg2"/>
-                    </a:solidFill>
-                  </a:tcPr>
-                </a:tc>
-                <a:extLst>
-                  <a:ext uri="{0D108BD9-81ED-4DB2-BD59-A6C34878D82A}">
-                    <a16:rowId xmlns:a16="http://schemas.microsoft.com/office/drawing/2014/main" val="545931424"/>
-                  </a:ext>
-                </a:extLst>
-              </a:tr>
-            </a:tbl>
-          </a:graphicData>
-        </a:graphic>
-      </p:graphicFrame>
-      <p:sp>
-        <p:nvSpPr>
-          <p:cNvPr id="18" name="TextBox 17">
-            <a:extLst>
-              <a:ext uri="{FF2B5EF4-FFF2-40B4-BE49-F238E27FC236}">
-                <a16:creationId xmlns:a16="http://schemas.microsoft.com/office/drawing/2014/main" id="{0CFF8920-3F07-CB42-B313-DCB53644200E}"/>
-              </a:ext>
-            </a:extLst>
-          </p:cNvPr>
-          <p:cNvSpPr txBox="1"/>
-          <p:nvPr/>
-        </p:nvSpPr>
-        <p:spPr>
-          <a:xfrm>
-            <a:off x="218303" y="4614558"/>
-            <a:ext cx="1458098" cy="1077218"/>
-          </a:xfrm>
-          <a:prstGeom prst="rect">
-            <a:avLst/>
-          </a:prstGeom>
-          <a:noFill/>
-        </p:spPr>
-        <p:txBody>
-          <a:bodyPr wrap="square" rtlCol="0">
-            <a:spAutoFit/>
-          </a:bodyPr>
-          <a:lstStyle/>
-          <a:p>
-            <a:pPr algn="ctr"/>
-            <a:r>
-              <a:rPr lang="en-US" sz="1600" dirty="0"/>
-              <a:t>Additional Optimizing Tools to be added</a:t>
-            </a:r>
-          </a:p>
-        </p:txBody>
-      </p:sp>
-      <p:sp>
-        <p:nvSpPr>
-          <p:cNvPr id="19" name="TextBox 18">
-            <a:extLst>
-              <a:ext uri="{FF2B5EF4-FFF2-40B4-BE49-F238E27FC236}">
-                <a16:creationId xmlns:a16="http://schemas.microsoft.com/office/drawing/2014/main" id="{3FC18BCF-0A97-524F-9F11-32F91928CB68}"/>
-              </a:ext>
-            </a:extLst>
-          </p:cNvPr>
-          <p:cNvSpPr txBox="1"/>
-          <p:nvPr/>
-        </p:nvSpPr>
-        <p:spPr>
-          <a:xfrm>
-            <a:off x="417555" y="856778"/>
-            <a:ext cx="11356889" cy="2031325"/>
-          </a:xfrm>
-          <a:prstGeom prst="rect">
-            <a:avLst/>
-          </a:prstGeom>
-          <a:noFill/>
-        </p:spPr>
-        <p:txBody>
-          <a:bodyPr wrap="square" rtlCol="0">
-            <a:spAutoFit/>
-          </a:bodyPr>
-          <a:lstStyle/>
-          <a:p>
-            <a:r>
-              <a:rPr lang="en-US" b="1" i="1" dirty="0"/>
-              <a:t>Optimization</a:t>
-            </a:r>
-            <a:r>
-              <a:rPr lang="en-US" dirty="0"/>
-              <a:t> is an important tool in making decisions and in analyzing physical systems. In mathematical terms, an </a:t>
-            </a:r>
-            <a:r>
-              <a:rPr lang="en-US" b="1" i="1" dirty="0"/>
-              <a:t>optimization problem</a:t>
-            </a:r>
-            <a:r>
-              <a:rPr lang="en-US" dirty="0"/>
-              <a:t> is the problem of finding the </a:t>
-            </a:r>
-            <a:r>
-              <a:rPr lang="en-US" i="1" dirty="0"/>
-              <a:t>best</a:t>
-            </a:r>
-            <a:r>
-              <a:rPr lang="en-US" dirty="0"/>
-              <a:t> solution (i.e., maxima or minima) from among the set of all </a:t>
-            </a:r>
-            <a:r>
-              <a:rPr lang="en-US" i="1" dirty="0"/>
-              <a:t>feasible</a:t>
-            </a:r>
-            <a:r>
-              <a:rPr lang="en-US" dirty="0"/>
-              <a:t> solutions. </a:t>
-            </a:r>
-          </a:p>
-          <a:p>
-            <a:r>
-              <a:rPr lang="en-US" dirty="0">
-                <a:highlight>
-                  <a:srgbClr val="FFFF00"/>
-                </a:highlight>
-              </a:rPr>
-              <a:t>Bayesian optimization provides a probabilistically principled method to optimize objective functions that are often non-convex, non-linear, noisy and computationally expensive.</a:t>
-            </a:r>
-          </a:p>
-          <a:p>
-            <a:r>
-              <a:rPr lang="en-US" dirty="0"/>
-              <a:t>The </a:t>
-            </a:r>
-            <a:r>
-              <a:rPr lang="en-US" b="1" dirty="0"/>
-              <a:t>Optimistic Optimizers</a:t>
-            </a:r>
-            <a:r>
-              <a:rPr lang="en-US" dirty="0"/>
-              <a:t> plan to explore and test a variety of optimizing tools with many different </a:t>
-            </a:r>
-            <a:r>
-              <a:rPr lang="en-US" dirty="0">
-                <a:highlight>
-                  <a:srgbClr val="FFFF00"/>
-                </a:highlight>
-              </a:rPr>
-              <a:t>objective </a:t>
-            </a:r>
-            <a:r>
-              <a:rPr lang="en-US" dirty="0"/>
-              <a:t>functions to provide a guide for users to identify the best optimizing tool for their specific optimization needs. </a:t>
-            </a:r>
-          </a:p>
-        </p:txBody>
-      </p:sp>
+      </p:pic>
     </p:spTree>
     <p:extLst>
       <p:ext uri="{BB962C8B-B14F-4D97-AF65-F5344CB8AC3E}">
@@ -5089,236 +4167,6 @@
 </file>
 
 <file path=ppt/slides/slide3.xml><?xml version="1.0" encoding="utf-8"?>
-<p:sld xmlns:a="http://schemas.openxmlformats.org/drawingml/2006/main" xmlns:r="http://schemas.openxmlformats.org/officeDocument/2006/relationships" xmlns:p="http://schemas.openxmlformats.org/presentationml/2006/main">
-  <p:cSld>
-    <p:bg>
-      <p:bgPr>
-        <a:solidFill>
-          <a:schemeClr val="bg1"/>
-        </a:solidFill>
-        <a:effectLst/>
-      </p:bgPr>
-    </p:bg>
-    <p:spTree>
-      <p:nvGrpSpPr>
-        <p:cNvPr id="1" name=""/>
-        <p:cNvGrpSpPr/>
-        <p:nvPr/>
-      </p:nvGrpSpPr>
-      <p:grpSpPr>
-        <a:xfrm>
-          <a:off x="0" y="0"/>
-          <a:ext cx="0" cy="0"/>
-          <a:chOff x="0" y="0"/>
-          <a:chExt cx="0" cy="0"/>
-        </a:xfrm>
-      </p:grpSpPr>
-      <p:sp>
-        <p:nvSpPr>
-          <p:cNvPr id="10" name="Down Arrow 7">
-            <a:extLst>
-              <a:ext uri="{FF2B5EF4-FFF2-40B4-BE49-F238E27FC236}">
-                <a16:creationId xmlns:a16="http://schemas.microsoft.com/office/drawing/2014/main" id="{D4771268-CB57-404A-9271-370EB28F6090}"/>
-              </a:ext>
-              <a:ext uri="{C183D7F6-B498-43B3-948B-1728B52AA6E4}">
-                <adec:decorative xmlns:adec="http://schemas.microsoft.com/office/drawing/2017/decorative" val="1"/>
-              </a:ext>
-            </a:extLst>
-          </p:cNvPr>
-          <p:cNvSpPr>
-            <a:spLocks noGrp="1" noRot="1" noChangeAspect="1" noMove="1" noResize="1" noEditPoints="1" noAdjustHandles="1" noChangeArrowheads="1" noChangeShapeType="1" noTextEdit="1"/>
-          </p:cNvSpPr>
-          <p:nvPr>
-            <p:extLst>
-              <p:ext uri="{386F3935-93C4-4BCD-93E2-E3B085C9AB24}">
-                <p16:designElem xmlns:p16="http://schemas.microsoft.com/office/powerpoint/2015/main" val="1"/>
-              </p:ext>
-            </p:extLst>
-          </p:nvPr>
-        </p:nvSpPr>
-        <p:spPr>
-          <a:xfrm rot="16200000">
-            <a:off x="800100" y="1491343"/>
-            <a:ext cx="3333749" cy="3499103"/>
-          </a:xfrm>
-          <a:prstGeom prst="downArrow">
-            <a:avLst>
-              <a:gd name="adj1" fmla="val 100000"/>
-              <a:gd name="adj2" fmla="val 15788"/>
-            </a:avLst>
-          </a:prstGeom>
-          <a:solidFill>
-            <a:srgbClr val="404040"/>
-          </a:solidFill>
-          <a:ln w="53975">
-            <a:noFill/>
-          </a:ln>
-        </p:spPr>
-        <p:style>
-          <a:lnRef idx="2">
-            <a:schemeClr val="accent1">
-              <a:shade val="50000"/>
-            </a:schemeClr>
-          </a:lnRef>
-          <a:fillRef idx="1">
-            <a:schemeClr val="accent1"/>
-          </a:fillRef>
-          <a:effectRef idx="0">
-            <a:schemeClr val="accent1"/>
-          </a:effectRef>
-          <a:fontRef idx="minor">
-            <a:schemeClr val="lt1"/>
-          </a:fontRef>
-        </p:style>
-        <p:txBody>
-          <a:bodyPr rtlCol="0" anchor="ctr"/>
-          <a:lstStyle/>
-          <a:p>
-            <a:pPr algn="ctr"/>
-            <a:endParaRPr lang="en-US"/>
-          </a:p>
-        </p:txBody>
-      </p:sp>
-      <p:sp>
-        <p:nvSpPr>
-          <p:cNvPr id="2" name="Title 1">
-            <a:extLst>
-              <a:ext uri="{FF2B5EF4-FFF2-40B4-BE49-F238E27FC236}">
-                <a16:creationId xmlns:a16="http://schemas.microsoft.com/office/drawing/2014/main" id="{95E64A3A-8673-E941-9F73-64BAFF9D74D6}"/>
-              </a:ext>
-            </a:extLst>
-          </p:cNvPr>
-          <p:cNvSpPr>
-            <a:spLocks noGrp="1"/>
-          </p:cNvSpPr>
-          <p:nvPr>
-            <p:ph type="title"/>
-          </p:nvPr>
-        </p:nvSpPr>
-        <p:spPr>
-          <a:xfrm>
-            <a:off x="1028700" y="1967266"/>
-            <a:ext cx="2628900" cy="2547257"/>
-          </a:xfrm>
-          <a:noFill/>
-        </p:spPr>
-        <p:txBody>
-          <a:bodyPr vert="horz" lIns="91440" tIns="45720" rIns="91440" bIns="45720" rtlCol="0" anchor="ctr">
-            <a:normAutofit/>
-          </a:bodyPr>
-          <a:lstStyle/>
-          <a:p>
-            <a:pPr algn="ctr"/>
-            <a:r>
-              <a:rPr lang="en-US" sz="2500" kern="1200" dirty="0">
-                <a:solidFill>
-                  <a:srgbClr val="FFFFFF"/>
-                </a:solidFill>
-                <a:latin typeface="+mj-lt"/>
-                <a:ea typeface="+mj-ea"/>
-                <a:cs typeface="+mj-cs"/>
-              </a:rPr>
-              <a:t>To optimize functions </a:t>
-            </a:r>
-            <a:r>
-              <a:rPr lang="en-US" sz="2500" dirty="0">
-                <a:solidFill>
-                  <a:srgbClr val="FFFFFF"/>
-                </a:solidFill>
-              </a:rPr>
-              <a:t>that have</a:t>
-            </a:r>
-            <a:r>
-              <a:rPr lang="en-US" sz="2500" kern="1200" dirty="0">
-                <a:solidFill>
-                  <a:srgbClr val="FFFFFF"/>
-                </a:solidFill>
-                <a:latin typeface="+mj-lt"/>
-                <a:ea typeface="+mj-ea"/>
-                <a:cs typeface="+mj-cs"/>
-              </a:rPr>
-              <a:t> multiple local minima/maxima using less computational time</a:t>
-            </a:r>
-          </a:p>
-        </p:txBody>
-      </p:sp>
-      <p:pic>
-        <p:nvPicPr>
-          <p:cNvPr id="7" name="Picture 6" descr="Chart, line chart&#10;&#10;Description automatically generated">
-            <a:extLst>
-              <a:ext uri="{FF2B5EF4-FFF2-40B4-BE49-F238E27FC236}">
-                <a16:creationId xmlns:a16="http://schemas.microsoft.com/office/drawing/2014/main" id="{5040F0EA-ED1C-3A4B-A350-3CF026A24FFD}"/>
-              </a:ext>
-            </a:extLst>
-          </p:cNvPr>
-          <p:cNvPicPr>
-            <a:picLocks noChangeAspect="1"/>
-          </p:cNvPicPr>
-          <p:nvPr/>
-        </p:nvPicPr>
-        <p:blipFill>
-          <a:blip r:embed="rId2"/>
-          <a:stretch>
-            <a:fillRect/>
-          </a:stretch>
-        </p:blipFill>
-        <p:spPr>
-          <a:xfrm>
-            <a:off x="4628645" y="1170238"/>
-            <a:ext cx="6603100" cy="4351339"/>
-          </a:xfrm>
-          <a:prstGeom prst="rect">
-            <a:avLst/>
-          </a:prstGeom>
-        </p:spPr>
-      </p:pic>
-      <p:sp>
-        <p:nvSpPr>
-          <p:cNvPr id="9" name="Content Placeholder 8">
-            <a:extLst>
-              <a:ext uri="{FF2B5EF4-FFF2-40B4-BE49-F238E27FC236}">
-                <a16:creationId xmlns:a16="http://schemas.microsoft.com/office/drawing/2014/main" id="{47BDE09B-16FC-F749-AE18-F2A1E992A4D1}"/>
-              </a:ext>
-            </a:extLst>
-          </p:cNvPr>
-          <p:cNvSpPr>
-            <a:spLocks noGrp="1"/>
-          </p:cNvSpPr>
-          <p:nvPr>
-            <p:ph idx="1"/>
-          </p:nvPr>
-        </p:nvSpPr>
-        <p:spPr>
-          <a:xfrm>
-            <a:off x="5784976" y="1655760"/>
-            <a:ext cx="5568824" cy="4521203"/>
-          </a:xfrm>
-        </p:spPr>
-        <p:txBody>
-          <a:bodyPr/>
-          <a:lstStyle/>
-          <a:p>
-            <a:r>
-              <a:rPr lang="en-US" dirty="0"/>
-              <a:t>                 </a:t>
-            </a:r>
-          </a:p>
-        </p:txBody>
-      </p:sp>
-    </p:spTree>
-    <p:extLst>
-      <p:ext uri="{BB962C8B-B14F-4D97-AF65-F5344CB8AC3E}">
-        <p14:creationId xmlns:p14="http://schemas.microsoft.com/office/powerpoint/2010/main" val="3817394761"/>
-      </p:ext>
-    </p:extLst>
-  </p:cSld>
-  <p:clrMapOvr>
-    <a:masterClrMapping/>
-  </p:clrMapOvr>
-</p:sld>
-</file>
-
-<file path=ppt/slides/slide4.xml><?xml version="1.0" encoding="utf-8"?>
 <p:sld xmlns:a="http://schemas.openxmlformats.org/drawingml/2006/main" xmlns:r="http://schemas.openxmlformats.org/officeDocument/2006/relationships" xmlns:p="http://schemas.openxmlformats.org/presentationml/2006/main">
   <p:cSld>
     <p:spTree>
@@ -6241,7 +5089,7 @@
 </p:sld>
 </file>
 
-<file path=ppt/slides/slide5.xml><?xml version="1.0" encoding="utf-8"?>
+<file path=ppt/slides/slide4.xml><?xml version="1.0" encoding="utf-8"?>
 <p:sld xmlns:a="http://schemas.openxmlformats.org/drawingml/2006/main" xmlns:r="http://schemas.openxmlformats.org/officeDocument/2006/relationships" xmlns:p="http://schemas.openxmlformats.org/presentationml/2006/main">
   <p:cSld>
     <p:spTree>
@@ -7012,6 +5860,307 @@
 </p:sld>
 </file>
 
+<file path=ppt/slides/slide5.xml><?xml version="1.0" encoding="utf-8"?>
+<p:sld xmlns:a="http://schemas.openxmlformats.org/drawingml/2006/main" xmlns:r="http://schemas.openxmlformats.org/officeDocument/2006/relationships" xmlns:p="http://schemas.openxmlformats.org/presentationml/2006/main">
+  <p:cSld>
+    <p:spTree>
+      <p:nvGrpSpPr>
+        <p:cNvPr id="1" name=""/>
+        <p:cNvGrpSpPr/>
+        <p:nvPr/>
+      </p:nvGrpSpPr>
+      <p:grpSpPr>
+        <a:xfrm>
+          <a:off x="0" y="0"/>
+          <a:ext cx="0" cy="0"/>
+          <a:chOff x="0" y="0"/>
+          <a:chExt cx="0" cy="0"/>
+        </a:xfrm>
+      </p:grpSpPr>
+      <p:sp>
+        <p:nvSpPr>
+          <p:cNvPr id="2" name="Title 1">
+            <a:extLst>
+              <a:ext uri="{FF2B5EF4-FFF2-40B4-BE49-F238E27FC236}">
+                <a16:creationId xmlns:a16="http://schemas.microsoft.com/office/drawing/2014/main" id="{35A4B897-B722-F74E-89EB-02848D72C539}"/>
+              </a:ext>
+            </a:extLst>
+          </p:cNvPr>
+          <p:cNvSpPr>
+            <a:spLocks noGrp="1"/>
+          </p:cNvSpPr>
+          <p:nvPr>
+            <p:ph type="title"/>
+          </p:nvPr>
+        </p:nvSpPr>
+        <p:spPr/>
+        <p:txBody>
+          <a:bodyPr>
+            <a:normAutofit/>
+          </a:bodyPr>
+          <a:lstStyle/>
+          <a:p>
+            <a:r>
+              <a:rPr lang="en-US" b="1" dirty="0"/>
+              <a:t>Optuna </a:t>
+            </a:r>
+          </a:p>
+        </p:txBody>
+      </p:sp>
+      <p:sp>
+        <p:nvSpPr>
+          <p:cNvPr id="3" name="Content Placeholder 2">
+            <a:extLst>
+              <a:ext uri="{FF2B5EF4-FFF2-40B4-BE49-F238E27FC236}">
+                <a16:creationId xmlns:a16="http://schemas.microsoft.com/office/drawing/2014/main" id="{9CAEAB96-873F-2A46-B481-BD37561E616D}"/>
+              </a:ext>
+            </a:extLst>
+          </p:cNvPr>
+          <p:cNvSpPr>
+            <a:spLocks noGrp="1"/>
+          </p:cNvSpPr>
+          <p:nvPr>
+            <p:ph idx="1"/>
+          </p:nvPr>
+        </p:nvSpPr>
+        <p:spPr>
+          <a:xfrm>
+            <a:off x="838200" y="1397285"/>
+            <a:ext cx="10515600" cy="4779678"/>
+          </a:xfrm>
+        </p:spPr>
+        <p:txBody>
+          <a:bodyPr>
+            <a:normAutofit lnSpcReduction="10000"/>
+          </a:bodyPr>
+          <a:lstStyle/>
+          <a:p>
+            <a:pPr algn="l"/>
+            <a:r>
+              <a:rPr lang="en-US" b="0" i="0" dirty="0">
+                <a:solidFill>
+                  <a:srgbClr val="000000"/>
+                </a:solidFill>
+                <a:effectLst/>
+                <a:latin typeface="Helvetica Neue"/>
+              </a:rPr>
+              <a:t>Random Search</a:t>
+            </a:r>
+          </a:p>
+          <a:p>
+            <a:pPr lvl="1"/>
+            <a:r>
+              <a:rPr lang="en-US" b="0" i="0" dirty="0">
+                <a:solidFill>
+                  <a:srgbClr val="000000"/>
+                </a:solidFill>
+                <a:effectLst/>
+                <a:latin typeface="Helvetica Neue"/>
+              </a:rPr>
+              <a:t>Samples random points and return the optimum value </a:t>
+            </a:r>
+          </a:p>
+          <a:p>
+            <a:pPr algn="l"/>
+            <a:r>
+              <a:rPr lang="en-US" b="0" i="0" dirty="0">
+                <a:solidFill>
+                  <a:srgbClr val="000000"/>
+                </a:solidFill>
+                <a:effectLst/>
+                <a:latin typeface="Helvetica Neue"/>
+              </a:rPr>
+              <a:t>Tree-structured </a:t>
+            </a:r>
+            <a:r>
+              <a:rPr lang="en-US" b="0" i="0" dirty="0" err="1">
+                <a:solidFill>
+                  <a:srgbClr val="000000"/>
+                </a:solidFill>
+                <a:effectLst/>
+                <a:latin typeface="Helvetica Neue"/>
+              </a:rPr>
+              <a:t>Parzen</a:t>
+            </a:r>
+            <a:r>
+              <a:rPr lang="en-US" b="0" i="0" dirty="0">
+                <a:solidFill>
+                  <a:srgbClr val="000000"/>
+                </a:solidFill>
+                <a:effectLst/>
+                <a:latin typeface="Helvetica Neue"/>
+              </a:rPr>
+              <a:t> Estimator</a:t>
+            </a:r>
+          </a:p>
+          <a:p>
+            <a:pPr lvl="1"/>
+            <a:r>
+              <a:rPr lang="en-US" dirty="0">
+                <a:solidFill>
+                  <a:srgbClr val="000000"/>
+                </a:solidFill>
+                <a:latin typeface="Helvetica Neue"/>
+              </a:rPr>
+              <a:t>Creates a cost function to be minimized </a:t>
+            </a:r>
+          </a:p>
+          <a:p>
+            <a:pPr lvl="1"/>
+            <a:r>
+              <a:rPr lang="en-US" dirty="0">
+                <a:solidFill>
+                  <a:srgbClr val="000000"/>
+                </a:solidFill>
+                <a:latin typeface="Helvetica Neue"/>
+              </a:rPr>
+              <a:t>Samples objective function and models the data using </a:t>
+            </a:r>
+            <a:r>
+              <a:rPr lang="en-US" dirty="0" err="1">
+                <a:solidFill>
+                  <a:srgbClr val="000000"/>
+                </a:solidFill>
+                <a:latin typeface="Helvetica Neue"/>
+              </a:rPr>
+              <a:t>Parzen</a:t>
+            </a:r>
+            <a:r>
+              <a:rPr lang="en-US" dirty="0">
+                <a:solidFill>
+                  <a:srgbClr val="000000"/>
+                </a:solidFill>
+                <a:latin typeface="Helvetica Neue"/>
+              </a:rPr>
+              <a:t> Estimators (KDE)</a:t>
+            </a:r>
+          </a:p>
+          <a:p>
+            <a:pPr lvl="1"/>
+            <a:r>
+              <a:rPr lang="en-US" b="0" i="0" dirty="0">
+                <a:solidFill>
+                  <a:srgbClr val="000000"/>
+                </a:solidFill>
+                <a:effectLst/>
+                <a:latin typeface="Helvetica Neue"/>
+              </a:rPr>
+              <a:t>Draws new samples based on the greatest expected improvement </a:t>
+            </a:r>
+          </a:p>
+          <a:p>
+            <a:pPr algn="l"/>
+            <a:r>
+              <a:rPr lang="en-US" b="0" i="0" dirty="0">
+                <a:solidFill>
+                  <a:srgbClr val="000000"/>
+                </a:solidFill>
+                <a:effectLst/>
+                <a:latin typeface="Helvetica Neue"/>
+              </a:rPr>
+              <a:t>Covariance Matrix Adaptation Evolution Strategy (CMA-ES)</a:t>
+            </a:r>
+          </a:p>
+          <a:p>
+            <a:pPr lvl="1"/>
+            <a:r>
+              <a:rPr lang="en-US" dirty="0">
+                <a:solidFill>
+                  <a:srgbClr val="000000"/>
+                </a:solidFill>
+                <a:latin typeface="Helvetica Neue"/>
+              </a:rPr>
+              <a:t>Sample new solutions </a:t>
+            </a:r>
+          </a:p>
+          <a:p>
+            <a:pPr lvl="1"/>
+            <a:r>
+              <a:rPr lang="en-US" b="0" i="0" dirty="0">
+                <a:solidFill>
+                  <a:srgbClr val="000000"/>
+                </a:solidFill>
+                <a:effectLst/>
+                <a:latin typeface="Helvetica Neue"/>
+              </a:rPr>
+              <a:t>R</a:t>
+            </a:r>
+            <a:r>
+              <a:rPr lang="en-US" dirty="0">
+                <a:solidFill>
+                  <a:srgbClr val="000000"/>
+                </a:solidFill>
+                <a:latin typeface="Helvetica Neue"/>
+              </a:rPr>
+              <a:t>ank solutions based on their score </a:t>
+            </a:r>
+          </a:p>
+          <a:p>
+            <a:pPr lvl="1"/>
+            <a:r>
+              <a:rPr lang="en-US" b="0" i="0" dirty="0">
+                <a:solidFill>
+                  <a:srgbClr val="000000"/>
+                </a:solidFill>
+                <a:effectLst/>
+                <a:latin typeface="Helvetica Neue"/>
+              </a:rPr>
+              <a:t>Update </a:t>
+            </a:r>
+            <a:r>
+              <a:rPr lang="en-US" dirty="0">
+                <a:solidFill>
+                  <a:srgbClr val="000000"/>
+                </a:solidFill>
+                <a:latin typeface="Helvetica Neue"/>
+              </a:rPr>
+              <a:t>guess (Covariance Matrix and Multivariate Gaussian Distribution)</a:t>
+            </a:r>
+            <a:endParaRPr lang="en-US" b="0" i="0" dirty="0">
+              <a:solidFill>
+                <a:srgbClr val="000000"/>
+              </a:solidFill>
+              <a:effectLst/>
+              <a:latin typeface="Helvetica Neue"/>
+            </a:endParaRPr>
+          </a:p>
+          <a:p>
+            <a:pPr marL="457200" lvl="1" indent="0">
+              <a:buNone/>
+            </a:pPr>
+            <a:endParaRPr lang="en-US" b="0" i="0" dirty="0">
+              <a:solidFill>
+                <a:srgbClr val="000000"/>
+              </a:solidFill>
+              <a:effectLst/>
+              <a:latin typeface="Helvetica Neue"/>
+            </a:endParaRPr>
+          </a:p>
+          <a:p>
+            <a:pPr lvl="1"/>
+            <a:endParaRPr lang="en-US" b="0" i="0" dirty="0">
+              <a:solidFill>
+                <a:srgbClr val="000000"/>
+              </a:solidFill>
+              <a:effectLst/>
+              <a:latin typeface="Helvetica Neue"/>
+            </a:endParaRPr>
+          </a:p>
+        </p:txBody>
+      </p:sp>
+    </p:spTree>
+    <p:extLst>
+      <p:ext uri="{BB962C8B-B14F-4D97-AF65-F5344CB8AC3E}">
+        <p14:creationId xmlns:p14="http://schemas.microsoft.com/office/powerpoint/2010/main" val="1551766373"/>
+      </p:ext>
+    </p:extLst>
+  </p:cSld>
+  <p:clrMapOvr>
+    <a:masterClrMapping/>
+  </p:clrMapOvr>
+</p:sld>
+</file>
+
 <file path=ppt/slides/slide6.xml><?xml version="1.0" encoding="utf-8"?>
 <p:sld xmlns:a="http://schemas.openxmlformats.org/drawingml/2006/main" xmlns:r="http://schemas.openxmlformats.org/officeDocument/2006/relationships" xmlns:p="http://schemas.openxmlformats.org/presentationml/2006/main">
   <p:cSld>
@@ -7034,7 +6183,7 @@
           <p:cNvPr id="2" name="Title 1">
             <a:extLst>
               <a:ext uri="{FF2B5EF4-FFF2-40B4-BE49-F238E27FC236}">
-                <a16:creationId xmlns:a16="http://schemas.microsoft.com/office/drawing/2014/main" id="{35A4B897-B722-F74E-89EB-02848D72C539}"/>
+                <a16:creationId xmlns:a16="http://schemas.microsoft.com/office/drawing/2014/main" id="{BA6BDF95-063C-3440-BF4D-8E56258A99E8}"/>
               </a:ext>
             </a:extLst>
           </p:cNvPr>
@@ -7047,14 +6196,12 @@
         </p:nvSpPr>
         <p:spPr/>
         <p:txBody>
-          <a:bodyPr>
-            <a:normAutofit/>
-          </a:bodyPr>
+          <a:bodyPr/>
           <a:lstStyle/>
           <a:p>
             <a:r>
-              <a:rPr lang="en-US" b="1" dirty="0"/>
-              <a:t>Optuna </a:t>
+              <a:rPr lang="en-US" dirty="0"/>
+              <a:t>Drawbacks</a:t>
             </a:r>
           </a:p>
         </p:txBody>
@@ -7064,7 +6211,7 @@
           <p:cNvPr id="3" name="Content Placeholder 2">
             <a:extLst>
               <a:ext uri="{FF2B5EF4-FFF2-40B4-BE49-F238E27FC236}">
-                <a16:creationId xmlns:a16="http://schemas.microsoft.com/office/drawing/2014/main" id="{9CAEAB96-873F-2A46-B481-BD37561E616D}"/>
+                <a16:creationId xmlns:a16="http://schemas.microsoft.com/office/drawing/2014/main" id="{DF85370D-4764-934F-B682-D8F4E82E76EB}"/>
               </a:ext>
             </a:extLst>
           </p:cNvPr>
@@ -7075,235 +6222,34 @@
             <p:ph idx="1"/>
           </p:nvPr>
         </p:nvSpPr>
-        <p:spPr>
-          <a:xfrm>
-            <a:off x="838200" y="1397285"/>
-            <a:ext cx="10515600" cy="4779678"/>
-          </a:xfrm>
-        </p:spPr>
-        <p:txBody>
-          <a:bodyPr>
-            <a:normAutofit lnSpcReduction="10000"/>
-          </a:bodyPr>
+        <p:spPr/>
+        <p:txBody>
+          <a:bodyPr/>
           <a:lstStyle/>
           <a:p>
-            <a:pPr algn="l"/>
-            <a:r>
-              <a:rPr lang="en-US" b="0" i="0" dirty="0">
-                <a:solidFill>
-                  <a:srgbClr val="000000"/>
-                </a:solidFill>
-                <a:effectLst/>
-                <a:latin typeface="Helvetica Neue"/>
-              </a:rPr>
-              <a:t>Random Search</a:t>
-            </a:r>
-          </a:p>
-          <a:p>
-            <a:pPr lvl="1"/>
-            <a:r>
-              <a:rPr lang="en-US" b="0" i="0" dirty="0">
-                <a:solidFill>
-                  <a:srgbClr val="000000"/>
-                </a:solidFill>
-                <a:effectLst/>
-                <a:latin typeface="Helvetica Neue"/>
-              </a:rPr>
-              <a:t>Samples random points and return the optimum value </a:t>
-            </a:r>
-          </a:p>
-          <a:p>
-            <a:pPr algn="l"/>
-            <a:r>
-              <a:rPr lang="en-US" b="0" i="0" dirty="0">
-                <a:solidFill>
-                  <a:srgbClr val="000000"/>
-                </a:solidFill>
-                <a:effectLst/>
-                <a:latin typeface="Helvetica Neue"/>
-              </a:rPr>
-              <a:t>Tree-structured </a:t>
-            </a:r>
-            <a:r>
-              <a:rPr lang="en-US" b="0" i="0" dirty="0" err="1">
-                <a:solidFill>
-                  <a:srgbClr val="000000"/>
-                </a:solidFill>
-                <a:effectLst/>
-                <a:latin typeface="Helvetica Neue"/>
-              </a:rPr>
-              <a:t>Parzen</a:t>
-            </a:r>
-            <a:r>
-              <a:rPr lang="en-US" b="0" i="0" dirty="0">
-                <a:solidFill>
-                  <a:srgbClr val="000000"/>
-                </a:solidFill>
-                <a:effectLst/>
-                <a:latin typeface="Helvetica Neue"/>
-              </a:rPr>
-              <a:t> Estimator</a:t>
-            </a:r>
-          </a:p>
-          <a:p>
-            <a:pPr lvl="1"/>
-            <a:r>
-              <a:rPr lang="en-US" dirty="0">
-                <a:solidFill>
-                  <a:srgbClr val="000000"/>
-                </a:solidFill>
-                <a:latin typeface="Helvetica Neue"/>
-              </a:rPr>
-              <a:t>Creates a cost function to be minimized </a:t>
-            </a:r>
-          </a:p>
-          <a:p>
-            <a:pPr lvl="1"/>
-            <a:r>
-              <a:rPr lang="en-US" dirty="0">
-                <a:solidFill>
-                  <a:srgbClr val="000000"/>
-                </a:solidFill>
-                <a:latin typeface="Helvetica Neue"/>
-              </a:rPr>
-              <a:t>Samples objective function and models the data using </a:t>
-            </a:r>
-            <a:r>
-              <a:rPr lang="en-US" dirty="0" err="1">
-                <a:solidFill>
-                  <a:srgbClr val="000000"/>
-                </a:solidFill>
-                <a:latin typeface="Helvetica Neue"/>
-              </a:rPr>
-              <a:t>Parzen</a:t>
-            </a:r>
-            <a:r>
-              <a:rPr lang="en-US" dirty="0">
-                <a:solidFill>
-                  <a:srgbClr val="000000"/>
-                </a:solidFill>
-                <a:latin typeface="Helvetica Neue"/>
-              </a:rPr>
-              <a:t> Estimators (KDE)</a:t>
-            </a:r>
-          </a:p>
-          <a:p>
-            <a:pPr lvl="1"/>
-            <a:r>
-              <a:rPr lang="en-US" b="0" i="0" dirty="0">
-                <a:solidFill>
-                  <a:srgbClr val="000000"/>
-                </a:solidFill>
-                <a:effectLst/>
-                <a:latin typeface="Helvetica Neue"/>
-              </a:rPr>
-              <a:t>Draws new samples based on the greatest expected improvement </a:t>
-            </a:r>
-          </a:p>
-          <a:p>
-            <a:pPr algn="l"/>
-            <a:r>
-              <a:rPr lang="en-US" b="0" i="0" dirty="0">
-                <a:solidFill>
-                  <a:srgbClr val="000000"/>
-                </a:solidFill>
-                <a:effectLst/>
-                <a:latin typeface="Helvetica Neue"/>
-              </a:rPr>
-              <a:t>Covariance Matrix Adaptation Evolution Strategy (CMA-ES)</a:t>
-            </a:r>
-          </a:p>
-          <a:p>
-            <a:pPr lvl="1"/>
-            <a:r>
-              <a:rPr lang="en-US" dirty="0">
-                <a:solidFill>
-                  <a:srgbClr val="000000"/>
-                </a:solidFill>
-                <a:latin typeface="Helvetica Neue"/>
-              </a:rPr>
-              <a:t>Sample new solutions </a:t>
-            </a:r>
-          </a:p>
-          <a:p>
-            <a:pPr lvl="1"/>
-            <a:r>
-              <a:rPr lang="en-US" b="0" i="0" dirty="0">
-                <a:solidFill>
-                  <a:srgbClr val="000000"/>
-                </a:solidFill>
-                <a:effectLst/>
-                <a:latin typeface="Helvetica Neue"/>
-              </a:rPr>
-              <a:t>R</a:t>
-            </a:r>
-            <a:r>
-              <a:rPr lang="en-US" dirty="0">
-                <a:solidFill>
-                  <a:srgbClr val="000000"/>
-                </a:solidFill>
-                <a:latin typeface="Helvetica Neue"/>
-              </a:rPr>
-              <a:t>ank solutions based on their score </a:t>
-            </a:r>
-          </a:p>
-          <a:p>
-            <a:pPr lvl="1"/>
-            <a:r>
-              <a:rPr lang="en-US" b="0" i="0" dirty="0">
-                <a:solidFill>
-                  <a:srgbClr val="000000"/>
-                </a:solidFill>
-                <a:effectLst/>
-                <a:latin typeface="Helvetica Neue"/>
-              </a:rPr>
-              <a:t>Update </a:t>
-            </a:r>
-            <a:r>
-              <a:rPr lang="en-US" dirty="0">
-                <a:solidFill>
-                  <a:srgbClr val="000000"/>
-                </a:solidFill>
-                <a:latin typeface="Helvetica Neue"/>
-              </a:rPr>
-              <a:t>guess (Covariance Matrix and Multivariate Gaussian Distribution)</a:t>
-            </a:r>
-            <a:endParaRPr lang="en-US" b="0" i="0" dirty="0">
-              <a:solidFill>
-                <a:srgbClr val="000000"/>
-              </a:solidFill>
-              <a:effectLst/>
-              <a:latin typeface="Helvetica Neue"/>
-            </a:endParaRPr>
-          </a:p>
-          <a:p>
-            <a:pPr marL="457200" lvl="1" indent="0">
-              <a:buNone/>
-            </a:pPr>
-            <a:endParaRPr lang="en-US" b="0" i="0" dirty="0">
-              <a:solidFill>
-                <a:srgbClr val="000000"/>
-              </a:solidFill>
-              <a:effectLst/>
-              <a:latin typeface="Helvetica Neue"/>
-            </a:endParaRPr>
-          </a:p>
-          <a:p>
-            <a:pPr lvl="1"/>
-            <a:endParaRPr lang="en-US" b="0" i="0" dirty="0">
-              <a:solidFill>
-                <a:srgbClr val="000000"/>
-              </a:solidFill>
-              <a:effectLst/>
-              <a:latin typeface="Helvetica Neue"/>
-            </a:endParaRPr>
+            <a:r>
+              <a:rPr lang="en-US" dirty="0"/>
+              <a:t>Results are sensitive to hyper parameters which underestimates uncertainty</a:t>
+            </a:r>
+          </a:p>
+          <a:p>
+            <a:r>
+              <a:rPr lang="en-US" dirty="0"/>
+              <a:t>The objective is a complex function which is expensive and timely to evaluate</a:t>
+            </a:r>
+          </a:p>
+          <a:p>
+            <a:r>
+              <a:rPr lang="en-US" dirty="0"/>
+              <a:t>The outcome are not the exact optimum (not accurate)</a:t>
+            </a:r>
           </a:p>
         </p:txBody>
       </p:sp>
     </p:spTree>
     <p:extLst>
       <p:ext uri="{BB962C8B-B14F-4D97-AF65-F5344CB8AC3E}">
-        <p14:creationId xmlns:p14="http://schemas.microsoft.com/office/powerpoint/2010/main" val="1551766373"/>
+        <p14:creationId xmlns:p14="http://schemas.microsoft.com/office/powerpoint/2010/main" val="4072473980"/>
       </p:ext>
     </p:extLst>
   </p:cSld>
@@ -7335,104 +6281,6 @@
           <p:cNvPr id="2" name="Title 1">
             <a:extLst>
               <a:ext uri="{FF2B5EF4-FFF2-40B4-BE49-F238E27FC236}">
-                <a16:creationId xmlns:a16="http://schemas.microsoft.com/office/drawing/2014/main" id="{BA6BDF95-063C-3440-BF4D-8E56258A99E8}"/>
-              </a:ext>
-            </a:extLst>
-          </p:cNvPr>
-          <p:cNvSpPr>
-            <a:spLocks noGrp="1"/>
-          </p:cNvSpPr>
-          <p:nvPr>
-            <p:ph type="title"/>
-          </p:nvPr>
-        </p:nvSpPr>
-        <p:spPr/>
-        <p:txBody>
-          <a:bodyPr/>
-          <a:lstStyle/>
-          <a:p>
-            <a:r>
-              <a:rPr lang="en-US" dirty="0"/>
-              <a:t>Drawbacks</a:t>
-            </a:r>
-          </a:p>
-        </p:txBody>
-      </p:sp>
-      <p:sp>
-        <p:nvSpPr>
-          <p:cNvPr id="3" name="Content Placeholder 2">
-            <a:extLst>
-              <a:ext uri="{FF2B5EF4-FFF2-40B4-BE49-F238E27FC236}">
-                <a16:creationId xmlns:a16="http://schemas.microsoft.com/office/drawing/2014/main" id="{DF85370D-4764-934F-B682-D8F4E82E76EB}"/>
-              </a:ext>
-            </a:extLst>
-          </p:cNvPr>
-          <p:cNvSpPr>
-            <a:spLocks noGrp="1"/>
-          </p:cNvSpPr>
-          <p:nvPr>
-            <p:ph idx="1"/>
-          </p:nvPr>
-        </p:nvSpPr>
-        <p:spPr/>
-        <p:txBody>
-          <a:bodyPr/>
-          <a:lstStyle/>
-          <a:p>
-            <a:r>
-              <a:rPr lang="en-US" dirty="0"/>
-              <a:t>Results are sensitive to hyper parameters which underestimates uncertainty</a:t>
-            </a:r>
-          </a:p>
-          <a:p>
-            <a:r>
-              <a:rPr lang="en-US" dirty="0"/>
-              <a:t>The objective is a complex function which is expensive and timely to evaluate</a:t>
-            </a:r>
-          </a:p>
-          <a:p>
-            <a:r>
-              <a:rPr lang="en-US" dirty="0"/>
-              <a:t>The outcome are not the exact optimum (not accurate)</a:t>
-            </a:r>
-          </a:p>
-        </p:txBody>
-      </p:sp>
-    </p:spTree>
-    <p:extLst>
-      <p:ext uri="{BB962C8B-B14F-4D97-AF65-F5344CB8AC3E}">
-        <p14:creationId xmlns:p14="http://schemas.microsoft.com/office/powerpoint/2010/main" val="4072473980"/>
-      </p:ext>
-    </p:extLst>
-  </p:cSld>
-  <p:clrMapOvr>
-    <a:masterClrMapping/>
-  </p:clrMapOvr>
-</p:sld>
-</file>
-
-<file path=ppt/slides/slide8.xml><?xml version="1.0" encoding="utf-8"?>
-<p:sld xmlns:a="http://schemas.openxmlformats.org/drawingml/2006/main" xmlns:r="http://schemas.openxmlformats.org/officeDocument/2006/relationships" xmlns:p="http://schemas.openxmlformats.org/presentationml/2006/main">
-  <p:cSld>
-    <p:spTree>
-      <p:nvGrpSpPr>
-        <p:cNvPr id="1" name=""/>
-        <p:cNvGrpSpPr/>
-        <p:nvPr/>
-      </p:nvGrpSpPr>
-      <p:grpSpPr>
-        <a:xfrm>
-          <a:off x="0" y="0"/>
-          <a:ext cx="0" cy="0"/>
-          <a:chOff x="0" y="0"/>
-          <a:chExt cx="0" cy="0"/>
-        </a:xfrm>
-      </p:grpSpPr>
-      <p:sp>
-        <p:nvSpPr>
-          <p:cNvPr id="2" name="Title 1">
-            <a:extLst>
-              <a:ext uri="{FF2B5EF4-FFF2-40B4-BE49-F238E27FC236}">
                 <a16:creationId xmlns:a16="http://schemas.microsoft.com/office/drawing/2014/main" id="{D4BDF1A1-7256-6847-900A-D8F01E76FB78}"/>
               </a:ext>
             </a:extLst>
@@ -7500,7 +6348,7 @@
 </p:sld>
 </file>
 
-<file path=ppt/slides/slide9.xml><?xml version="1.0" encoding="utf-8"?>
+<file path=ppt/slides/slide8.xml><?xml version="1.0" encoding="utf-8"?>
 <p:sld xmlns:a="http://schemas.openxmlformats.org/drawingml/2006/main" xmlns:r="http://schemas.openxmlformats.org/officeDocument/2006/relationships" xmlns:p="http://schemas.openxmlformats.org/presentationml/2006/main">
   <p:cSld>
     <p:spTree>
@@ -7910,4 +6758,299 @@
     </a:ext>
   </a:extLst>
 </a:theme>
+</file>
+
+<file path=ppt/theme/theme2.xml><?xml version="1.0" encoding="utf-8"?>
+<a:theme xmlns:a="http://schemas.openxmlformats.org/drawingml/2006/main" name="Office Theme">
+  <a:themeElements>
+    <a:clrScheme name="Office">
+      <a:dk1>
+        <a:sysClr val="windowText" lastClr="000000"/>
+      </a:dk1>
+      <a:lt1>
+        <a:sysClr val="window" lastClr="FFFFFF"/>
+      </a:lt1>
+      <a:dk2>
+        <a:srgbClr val="44546A"/>
+      </a:dk2>
+      <a:lt2>
+        <a:srgbClr val="E7E6E6"/>
+      </a:lt2>
+      <a:accent1>
+        <a:srgbClr val="4472C4"/>
+      </a:accent1>
+      <a:accent2>
+        <a:srgbClr val="ED7D31"/>
+      </a:accent2>
+      <a:accent3>
+        <a:srgbClr val="A5A5A5"/>
+      </a:accent3>
+      <a:accent4>
+        <a:srgbClr val="FFC000"/>
+      </a:accent4>
+      <a:accent5>
+        <a:srgbClr val="5B9BD5"/>
+      </a:accent5>
+      <a:accent6>
+        <a:srgbClr val="70AD47"/>
+      </a:accent6>
+      <a:hlink>
+        <a:srgbClr val="0563C1"/>
+      </a:hlink>
+      <a:folHlink>
+        <a:srgbClr val="954F72"/>
+      </a:folHlink>
+    </a:clrScheme>
+    <a:fontScheme name="Office">
+      <a:majorFont>
+        <a:latin typeface="Calibri Light" panose="020F0302020204030204"/>
+        <a:ea typeface=""/>
+        <a:cs typeface=""/>
+        <a:font script="Jpan" typeface="游ゴシック Light"/>
+        <a:font script="Hang" typeface="맑은 고딕"/>
+        <a:font script="Hans" typeface="等线 Light"/>
+        <a:font script="Hant" typeface="新細明體"/>
+        <a:font script="Arab" typeface="Times New Roman"/>
+        <a:font script="Hebr" typeface="Times New Roman"/>
+        <a:font script="Thai" typeface="Angsana New"/>
+        <a:font script="Ethi" typeface="Nyala"/>
+        <a:font script="Beng" typeface="Vrinda"/>
+        <a:font script="Gujr" typeface="Shruti"/>
+        <a:font script="Khmr" typeface="MoolBoran"/>
+        <a:font script="Knda" typeface="Tunga"/>
+        <a:font script="Guru" typeface="Raavi"/>
+        <a:font script="Cans" typeface="Euphemia"/>
+        <a:font script="Cher" typeface="Plantagenet Cherokee"/>
+        <a:font script="Yiii" typeface="Microsoft Yi Baiti"/>
+        <a:font script="Tibt" typeface="Microsoft Himalaya"/>
+        <a:font script="Thaa" typeface="MV Boli"/>
+        <a:font script="Deva" typeface="Mangal"/>
+        <a:font script="Telu" typeface="Gautami"/>
+        <a:font script="Taml" typeface="Latha"/>
+        <a:font script="Syrc" typeface="Estrangelo Edessa"/>
+        <a:font script="Orya" typeface="Kalinga"/>
+        <a:font script="Mlym" typeface="Kartika"/>
+        <a:font script="Laoo" typeface="DokChampa"/>
+        <a:font script="Sinh" typeface="Iskoola Pota"/>
+        <a:font script="Mong" typeface="Mongolian Baiti"/>
+        <a:font script="Viet" typeface="Times New Roman"/>
+        <a:font script="Uigh" typeface="Microsoft Uighur"/>
+        <a:font script="Geor" typeface="Sylfaen"/>
+        <a:font script="Armn" typeface="Arial"/>
+        <a:font script="Bugi" typeface="Leelawadee UI"/>
+        <a:font script="Bopo" typeface="Microsoft JhengHei"/>
+        <a:font script="Java" typeface="Javanese Text"/>
+        <a:font script="Lisu" typeface="Segoe UI"/>
+        <a:font script="Mymr" typeface="Myanmar Text"/>
+        <a:font script="Nkoo" typeface="Ebrima"/>
+        <a:font script="Olck" typeface="Nirmala UI"/>
+        <a:font script="Osma" typeface="Ebrima"/>
+        <a:font script="Phag" typeface="Phagspa"/>
+        <a:font script="Syrn" typeface="Estrangelo Edessa"/>
+        <a:font script="Syrj" typeface="Estrangelo Edessa"/>
+        <a:font script="Syre" typeface="Estrangelo Edessa"/>
+        <a:font script="Sora" typeface="Nirmala UI"/>
+        <a:font script="Tale" typeface="Microsoft Tai Le"/>
+        <a:font script="Talu" typeface="Microsoft New Tai Lue"/>
+        <a:font script="Tfng" typeface="Ebrima"/>
+      </a:majorFont>
+      <a:minorFont>
+        <a:latin typeface="Calibri" panose="020F0502020204030204"/>
+        <a:ea typeface=""/>
+        <a:cs typeface=""/>
+        <a:font script="Jpan" typeface="游ゴシック"/>
+        <a:font script="Hang" typeface="맑은 고딕"/>
+        <a:font script="Hans" typeface="等线"/>
+        <a:font script="Hant" typeface="新細明體"/>
+        <a:font script="Arab" typeface="Arial"/>
+        <a:font script="Hebr" typeface="Arial"/>
+        <a:font script="Thai" typeface="Cordia New"/>
+        <a:font script="Ethi" typeface="Nyala"/>
+        <a:font script="Beng" typeface="Vrinda"/>
+        <a:font script="Gujr" typeface="Shruti"/>
+        <a:font script="Khmr" typeface="DaunPenh"/>
+        <a:font script="Knda" typeface="Tunga"/>
+        <a:font script="Guru" typeface="Raavi"/>
+        <a:font script="Cans" typeface="Euphemia"/>
+        <a:font script="Cher" typeface="Plantagenet Cherokee"/>
+        <a:font script="Yiii" typeface="Microsoft Yi Baiti"/>
+        <a:font script="Tibt" typeface="Microsoft Himalaya"/>
+        <a:font script="Thaa" typeface="MV Boli"/>
+        <a:font script="Deva" typeface="Mangal"/>
+        <a:font script="Telu" typeface="Gautami"/>
+        <a:font script="Taml" typeface="Latha"/>
+        <a:font script="Syrc" typeface="Estrangelo Edessa"/>
+        <a:font script="Orya" typeface="Kalinga"/>
+        <a:font script="Mlym" typeface="Kartika"/>
+        <a:font script="Laoo" typeface="DokChampa"/>
+        <a:font script="Sinh" typeface="Iskoola Pota"/>
+        <a:font script="Mong" typeface="Mongolian Baiti"/>
+        <a:font script="Viet" typeface="Arial"/>
+        <a:font script="Uigh" typeface="Microsoft Uighur"/>
+        <a:font script="Geor" typeface="Sylfaen"/>
+        <a:font script="Armn" typeface="Arial"/>
+        <a:font script="Bugi" typeface="Leelawadee UI"/>
+        <a:font script="Bopo" typeface="Microsoft JhengHei"/>
+        <a:font script="Java" typeface="Javanese Text"/>
+        <a:font script="Lisu" typeface="Segoe UI"/>
+        <a:font script="Mymr" typeface="Myanmar Text"/>
+        <a:font script="Nkoo" typeface="Ebrima"/>
+        <a:font script="Olck" typeface="Nirmala UI"/>
+        <a:font script="Osma" typeface="Ebrima"/>
+        <a:font script="Phag" typeface="Phagspa"/>
+        <a:font script="Syrn" typeface="Estrangelo Edessa"/>
+        <a:font script="Syrj" typeface="Estrangelo Edessa"/>
+        <a:font script="Syre" typeface="Estrangelo Edessa"/>
+        <a:font script="Sora" typeface="Nirmala UI"/>
+        <a:font script="Tale" typeface="Microsoft Tai Le"/>
+        <a:font script="Talu" typeface="Microsoft New Tai Lue"/>
+        <a:font script="Tfng" typeface="Ebrima"/>
+      </a:minorFont>
+    </a:fontScheme>
+    <a:fmtScheme name="Office">
+      <a:fillStyleLst>
+        <a:solidFill>
+          <a:schemeClr val="phClr"/>
+        </a:solidFill>
+        <a:gradFill rotWithShape="1">
+          <a:gsLst>
+            <a:gs pos="0">
+              <a:schemeClr val="phClr">
+                <a:lumMod val="110000"/>
+                <a:satMod val="105000"/>
+                <a:tint val="67000"/>
+              </a:schemeClr>
+            </a:gs>
+            <a:gs pos="50000">
+              <a:schemeClr val="phClr">
+                <a:lumMod val="105000"/>
+                <a:satMod val="103000"/>
+                <a:tint val="73000"/>
+              </a:schemeClr>
+            </a:gs>
+            <a:gs pos="100000">
+              <a:schemeClr val="phClr">
+                <a:lumMod val="105000"/>
+                <a:satMod val="109000"/>
+                <a:tint val="81000"/>
+              </a:schemeClr>
+            </a:gs>
+          </a:gsLst>
+          <a:lin ang="5400000" scaled="0"/>
+        </a:gradFill>
+        <a:gradFill rotWithShape="1">
+          <a:gsLst>
+            <a:gs pos="0">
+              <a:schemeClr val="phClr">
+                <a:satMod val="103000"/>
+                <a:lumMod val="102000"/>
+                <a:tint val="94000"/>
+              </a:schemeClr>
+            </a:gs>
+            <a:gs pos="50000">
+              <a:schemeClr val="phClr">
+                <a:satMod val="110000"/>
+                <a:lumMod val="100000"/>
+                <a:shade val="100000"/>
+              </a:schemeClr>
+            </a:gs>
+            <a:gs pos="100000">
+              <a:schemeClr val="phClr">
+                <a:lumMod val="99000"/>
+                <a:satMod val="120000"/>
+                <a:shade val="78000"/>
+              </a:schemeClr>
+            </a:gs>
+          </a:gsLst>
+          <a:lin ang="5400000" scaled="0"/>
+        </a:gradFill>
+      </a:fillStyleLst>
+      <a:lnStyleLst>
+        <a:ln w="6350" cap="flat" cmpd="sng" algn="ctr">
+          <a:solidFill>
+            <a:schemeClr val="phClr"/>
+          </a:solidFill>
+          <a:prstDash val="solid"/>
+          <a:miter lim="800000"/>
+        </a:ln>
+        <a:ln w="12700" cap="flat" cmpd="sng" algn="ctr">
+          <a:solidFill>
+            <a:schemeClr val="phClr"/>
+          </a:solidFill>
+          <a:prstDash val="solid"/>
+          <a:miter lim="800000"/>
+        </a:ln>
+        <a:ln w="19050" cap="flat" cmpd="sng" algn="ctr">
+          <a:solidFill>
+            <a:schemeClr val="phClr"/>
+          </a:solidFill>
+          <a:prstDash val="solid"/>
+          <a:miter lim="800000"/>
+        </a:ln>
+      </a:lnStyleLst>
+      <a:effectStyleLst>
+        <a:effectStyle>
+          <a:effectLst/>
+        </a:effectStyle>
+        <a:effectStyle>
+          <a:effectLst/>
+        </a:effectStyle>
+        <a:effectStyle>
+          <a:effectLst>
+            <a:outerShdw blurRad="57150" dist="19050" dir="5400000" algn="ctr" rotWithShape="0">
+              <a:srgbClr val="000000">
+                <a:alpha val="63000"/>
+              </a:srgbClr>
+            </a:outerShdw>
+          </a:effectLst>
+        </a:effectStyle>
+      </a:effectStyleLst>
+      <a:bgFillStyleLst>
+        <a:solidFill>
+          <a:schemeClr val="phClr"/>
+        </a:solidFill>
+        <a:solidFill>
+          <a:schemeClr val="phClr">
+            <a:tint val="95000"/>
+            <a:satMod val="170000"/>
+          </a:schemeClr>
+        </a:solidFill>
+        <a:gradFill rotWithShape="1">
+          <a:gsLst>
+            <a:gs pos="0">
+              <a:schemeClr val="phClr">
+                <a:tint val="93000"/>
+                <a:satMod val="150000"/>
+                <a:shade val="98000"/>
+                <a:lumMod val="102000"/>
+              </a:schemeClr>
+            </a:gs>
+            <a:gs pos="50000">
+              <a:schemeClr val="phClr">
+                <a:tint val="98000"/>
+                <a:satMod val="130000"/>
+                <a:shade val="90000"/>
+                <a:lumMod val="103000"/>
+              </a:schemeClr>
+            </a:gs>
+            <a:gs pos="100000">
+              <a:schemeClr val="phClr">
+                <a:shade val="63000"/>
+                <a:satMod val="120000"/>
+              </a:schemeClr>
+            </a:gs>
+          </a:gsLst>
+          <a:lin ang="5400000" scaled="0"/>
+        </a:gradFill>
+      </a:bgFillStyleLst>
+    </a:fmtScheme>
+  </a:themeElements>
+  <a:objectDefaults/>
+  <a:extraClrSchemeLst/>
+  <a:extLst>
+    <a:ext uri="{05A4C25C-085E-4340-85A3-A5531E510DB2}">
+      <thm15:themeFamily xmlns:thm15="http://schemas.microsoft.com/office/thememl/2012/main" name="Office Theme" id="{62F939B6-93AF-4DB8-9C6B-D6C7DFDC589F}" vid="{4A3C46E8-61CC-4603-A589-7422A47A8E4A}"/>
+    </a:ext>
+  </a:extLst>
+</a:theme>
 </file>
--- a/Exploring Various Optimizers (1).pptx
+++ b/Exploring Various Optimizers (1).pptx
@@ -5834,14 +5834,14 @@
           <a:p>
             <a:pPr algn="ctr"/>
             <a:r>
-              <a:rPr lang="en-US" sz="3600" dirty="0"/>
+              <a:rPr lang="en-US" sz="3600" b="1" dirty="0"/>
               <a:t>“Bayes_Opt”</a:t>
             </a:r>
             <a:br>
-              <a:rPr lang="en-US" sz="3600" dirty="0"/>
+              <a:rPr lang="en-US" sz="3600" b="1" dirty="0"/>
             </a:br>
             <a:r>
-              <a:rPr lang="en-US" sz="3600" dirty="0"/>
+              <a:rPr lang="en-US" sz="3600" b="1" dirty="0"/>
               <a:t>Bayesian Optimization</a:t>
             </a:r>
           </a:p>
@@ -6300,13 +6300,10 @@
           <a:lstStyle/>
           <a:p>
             <a:r>
-              <a:rPr lang="en-US" dirty="0"/>
-              <a:t>Next Steps </a:t>
-            </a:r>
-            <a:r>
-              <a:rPr lang="en-US" sz="2200" dirty="0"/>
-              <a:t>(here we can talk about how we plan on finding additional optimizers to explore and creating a variety of functions to test out with the optimizers ??)</a:t>
-            </a:r>
+              <a:rPr lang="en-US" b="1" dirty="0"/>
+              <a:t>Next Steps</a:t>
+            </a:r>
+            <a:endParaRPr lang="en-US" sz="2200" b="1" dirty="0"/>
           </a:p>
         </p:txBody>
       </p:sp>
@@ -6331,7 +6328,39 @@
           <a:bodyPr/>
           <a:lstStyle/>
           <a:p>
-            <a:endParaRPr lang="en-US"/>
+            <a:r>
+              <a:rPr lang="en-US" dirty="0"/>
+              <a:t>Look at the optimizers we considered and run the different packages </a:t>
+            </a:r>
+          </a:p>
+          <a:p>
+            <a:r>
+              <a:rPr lang="en-US" dirty="0"/>
+              <a:t>Choose a simple </a:t>
+            </a:r>
+            <a:r>
+              <a:rPr lang="en-US"/>
+              <a:t>function trying </a:t>
+            </a:r>
+            <a:r>
+              <a:rPr lang="en-US" dirty="0"/>
+              <a:t>all the packages and see what will be the results in terms of optimal answer and time complexity </a:t>
+            </a:r>
+          </a:p>
+          <a:p>
+            <a:r>
+              <a:rPr lang="en-US" dirty="0"/>
+              <a:t>Look for additional optimizers </a:t>
+            </a:r>
+          </a:p>
+          <a:p>
+            <a:r>
+              <a:rPr lang="en-US" dirty="0"/>
+              <a:t>Test the optimizers with other known functions</a:t>
+            </a:r>
+          </a:p>
+          <a:p>
+            <a:endParaRPr lang="en-US" dirty="0"/>
           </a:p>
         </p:txBody>
       </p:sp>

--- a/Exploring Various Optimizers (1).pptx
+++ b/Exploring Various Optimizers (1).pptx
@@ -204,7 +204,7 @@
           <a:p>
             <a:fld id="{B9AED1CD-FFCA-6D46-945E-1D85210D1629}" type="datetimeFigureOut">
               <a:rPr lang="en-US" smtClean="0"/>
-              <a:t>2/17/21</a:t>
+              <a:t>2/18/21</a:t>
             </a:fld>
             <a:endParaRPr lang="en-US"/>
           </a:p>
@@ -705,7 +705,7 @@
           <a:p>
             <a:fld id="{56A52D25-D451-6546-A13E-628912A9C647}" type="datetimeFigureOut">
               <a:rPr lang="en-US" smtClean="0"/>
-              <a:t>2/17/21</a:t>
+              <a:t>2/18/21</a:t>
             </a:fld>
             <a:endParaRPr lang="en-US"/>
           </a:p>
@@ -903,7 +903,7 @@
           <a:p>
             <a:fld id="{56A52D25-D451-6546-A13E-628912A9C647}" type="datetimeFigureOut">
               <a:rPr lang="en-US" smtClean="0"/>
-              <a:t>2/17/21</a:t>
+              <a:t>2/18/21</a:t>
             </a:fld>
             <a:endParaRPr lang="en-US"/>
           </a:p>
@@ -1111,7 +1111,7 @@
           <a:p>
             <a:fld id="{56A52D25-D451-6546-A13E-628912A9C647}" type="datetimeFigureOut">
               <a:rPr lang="en-US" smtClean="0"/>
-              <a:t>2/17/21</a:t>
+              <a:t>2/18/21</a:t>
             </a:fld>
             <a:endParaRPr lang="en-US"/>
           </a:p>
@@ -1309,7 +1309,7 @@
           <a:p>
             <a:fld id="{56A52D25-D451-6546-A13E-628912A9C647}" type="datetimeFigureOut">
               <a:rPr lang="en-US" smtClean="0"/>
-              <a:t>2/17/21</a:t>
+              <a:t>2/18/21</a:t>
             </a:fld>
             <a:endParaRPr lang="en-US"/>
           </a:p>
@@ -1584,7 +1584,7 @@
           <a:p>
             <a:fld id="{56A52D25-D451-6546-A13E-628912A9C647}" type="datetimeFigureOut">
               <a:rPr lang="en-US" smtClean="0"/>
-              <a:t>2/17/21</a:t>
+              <a:t>2/18/21</a:t>
             </a:fld>
             <a:endParaRPr lang="en-US"/>
           </a:p>
@@ -1849,7 +1849,7 @@
           <a:p>
             <a:fld id="{56A52D25-D451-6546-A13E-628912A9C647}" type="datetimeFigureOut">
               <a:rPr lang="en-US" smtClean="0"/>
-              <a:t>2/17/21</a:t>
+              <a:t>2/18/21</a:t>
             </a:fld>
             <a:endParaRPr lang="en-US"/>
           </a:p>
@@ -2261,7 +2261,7 @@
           <a:p>
             <a:fld id="{56A52D25-D451-6546-A13E-628912A9C647}" type="datetimeFigureOut">
               <a:rPr lang="en-US" smtClean="0"/>
-              <a:t>2/17/21</a:t>
+              <a:t>2/18/21</a:t>
             </a:fld>
             <a:endParaRPr lang="en-US"/>
           </a:p>
@@ -2402,7 +2402,7 @@
           <a:p>
             <a:fld id="{56A52D25-D451-6546-A13E-628912A9C647}" type="datetimeFigureOut">
               <a:rPr lang="en-US" smtClean="0"/>
-              <a:t>2/17/21</a:t>
+              <a:t>2/18/21</a:t>
             </a:fld>
             <a:endParaRPr lang="en-US"/>
           </a:p>
@@ -2515,7 +2515,7 @@
           <a:p>
             <a:fld id="{56A52D25-D451-6546-A13E-628912A9C647}" type="datetimeFigureOut">
               <a:rPr lang="en-US" smtClean="0"/>
-              <a:t>2/17/21</a:t>
+              <a:t>2/18/21</a:t>
             </a:fld>
             <a:endParaRPr lang="en-US"/>
           </a:p>
@@ -2826,7 +2826,7 @@
           <a:p>
             <a:fld id="{56A52D25-D451-6546-A13E-628912A9C647}" type="datetimeFigureOut">
               <a:rPr lang="en-US" smtClean="0"/>
-              <a:t>2/17/21</a:t>
+              <a:t>2/18/21</a:t>
             </a:fld>
             <a:endParaRPr lang="en-US"/>
           </a:p>
@@ -3114,7 +3114,7 @@
           <a:p>
             <a:fld id="{56A52D25-D451-6546-A13E-628912A9C647}" type="datetimeFigureOut">
               <a:rPr lang="en-US" smtClean="0"/>
-              <a:t>2/17/21</a:t>
+              <a:t>2/18/21</a:t>
             </a:fld>
             <a:endParaRPr lang="en-US"/>
           </a:p>
@@ -3355,7 +3355,7 @@
           <a:p>
             <a:fld id="{56A52D25-D451-6546-A13E-628912A9C647}" type="datetimeFigureOut">
               <a:rPr lang="en-US" smtClean="0"/>
-              <a:t>2/17/21</a:t>
+              <a:t>2/18/21</a:t>
             </a:fld>
             <a:endParaRPr lang="en-US"/>
           </a:p>
@@ -3855,8 +3855,8 @@
           <p:nvPr/>
         </p:nvSpPr>
         <p:spPr>
-          <a:xfrm>
-            <a:off x="5160605" y="6282353"/>
+          <a:xfrm rot="16200000">
+            <a:off x="1459487" y="4029271"/>
             <a:ext cx="1491114" cy="261610"/>
           </a:xfrm>
           <a:prstGeom prst="rect">
@@ -3871,15 +3871,7 @@
           <a:p>
             <a:r>
               <a:rPr lang="en-US" sz="1100" dirty="0"/>
-              <a:t>https://</a:t>
-            </a:r>
-            <a:r>
-              <a:rPr lang="en-US" sz="1100" dirty="0" err="1"/>
-              <a:t>xkcd.com</a:t>
-            </a:r>
-            <a:r>
-              <a:rPr lang="en-US" sz="1100" dirty="0"/>
-              <a:t>/720/</a:t>
+              <a:t>https://xkcd.com/720/</a:t>
             </a:r>
           </a:p>
         </p:txBody>
@@ -4088,41 +4080,6 @@
           </a:p>
         </p:txBody>
       </p:sp>
-      <p:sp>
-        <p:nvSpPr>
-          <p:cNvPr id="5" name="Content Placeholder 4">
-            <a:extLst>
-              <a:ext uri="{FF2B5EF4-FFF2-40B4-BE49-F238E27FC236}">
-                <a16:creationId xmlns:a16="http://schemas.microsoft.com/office/drawing/2014/main" id="{E8676FD2-6B07-9146-8A57-446B87700536}"/>
-              </a:ext>
-            </a:extLst>
-          </p:cNvPr>
-          <p:cNvSpPr>
-            <a:spLocks noGrp="1"/>
-          </p:cNvSpPr>
-          <p:nvPr>
-            <p:ph idx="1"/>
-          </p:nvPr>
-        </p:nvSpPr>
-        <p:spPr>
-          <a:xfrm>
-            <a:off x="640230" y="3852635"/>
-            <a:ext cx="5177943" cy="2298532"/>
-          </a:xfrm>
-        </p:spPr>
-        <p:txBody>
-          <a:bodyPr>
-            <a:normAutofit/>
-          </a:bodyPr>
-          <a:lstStyle/>
-          <a:p>
-            <a:pPr marL="0" indent="0">
-              <a:buNone/>
-            </a:pPr>
-            <a:endParaRPr lang="en-US" sz="1800" dirty="0"/>
-          </a:p>
-        </p:txBody>
-      </p:sp>
       <p:pic>
         <p:nvPicPr>
           <p:cNvPr id="15" name="Picture 14" descr="Chart, line chart&#10;&#10;Description automatically generated">
@@ -4145,7 +4102,7 @@
         </p:blipFill>
         <p:spPr>
           <a:xfrm>
-            <a:off x="5955738" y="3738521"/>
+            <a:off x="3041255" y="3713808"/>
             <a:ext cx="6109487" cy="2548992"/>
           </a:xfrm>
           <a:prstGeom prst="rect">
@@ -4235,7 +4192,7 @@
           <p:nvPr>
             <p:extLst>
               <p:ext uri="{D42A27DB-BD31-4B8C-83A1-F6EECF244321}">
-                <p14:modId xmlns:p14="http://schemas.microsoft.com/office/powerpoint/2010/main" val="4185339340"/>
+                <p14:modId xmlns:p14="http://schemas.microsoft.com/office/powerpoint/2010/main" val="3109200079"/>
               </p:ext>
             </p:extLst>
           </p:nvPr>
@@ -4901,7 +4858,7 @@
                           <a:ea typeface="+mn-ea"/>
                           <a:cs typeface="+mn-cs"/>
                         </a:rPr>
-                        <a:t>PuLP is an LP modeler written in Python to solve linear problems.</a:t>
+                        <a:t>PuLP is a linear programming (LP) package written in Python to solve linear problems.</a:t>
                       </a:r>
                     </a:p>
                   </a:txBody>
@@ -5699,13 +5656,13 @@
         </p:nvSpPr>
         <p:spPr>
           <a:xfrm>
-            <a:off x="4376808" y="1716196"/>
-            <a:ext cx="7570966" cy="4004982"/>
+            <a:off x="4330068" y="1450161"/>
+            <a:ext cx="7570966" cy="4525278"/>
           </a:xfrm>
         </p:spPr>
         <p:txBody>
           <a:bodyPr>
-            <a:normAutofit/>
+            <a:normAutofit lnSpcReduction="10000"/>
           </a:bodyPr>
           <a:lstStyle/>
           <a:p>
@@ -5793,7 +5750,18 @@
             </a:pPr>
             <a:r>
               <a:rPr lang="en-US" sz="1800" dirty="0"/>
-              <a:t>Since this is a constrained optimization technique, so you must specify the bounds for each parameter for it to work</a:t>
+              <a:t>Since this is a constrained optimization technique, you must specify the bounds for each parameter for it to work</a:t>
+            </a:r>
+          </a:p>
+          <a:p>
+            <a:pPr marL="228600" lvl="1">
+              <a:spcBef>
+                <a:spcPts val="1000"/>
+              </a:spcBef>
+            </a:pPr>
+            <a:r>
+              <a:rPr lang="en-US" sz="1800" dirty="0"/>
+              <a:t>The processing time can be longer if the user chooses to tune the hyper-parameters to obtain more accuracy in the output</a:t>
             </a:r>
           </a:p>
           <a:p>
@@ -6292,13 +6260,19 @@
             <p:ph type="title"/>
           </p:nvPr>
         </p:nvSpPr>
-        <p:spPr/>
+        <p:spPr>
+          <a:xfrm>
+            <a:off x="838200" y="365126"/>
+            <a:ext cx="10515600" cy="833480"/>
+          </a:xfrm>
+        </p:spPr>
         <p:txBody>
           <a:bodyPr>
             <a:normAutofit/>
           </a:bodyPr>
           <a:lstStyle/>
           <a:p>
+            <a:pPr algn="ctr"/>
             <a:r>
               <a:rPr lang="en-US" b="1" dirty="0"/>
               <a:t>Next Steps</a:t>
@@ -6336,15 +6310,7 @@
           <a:p>
             <a:r>
               <a:rPr lang="en-US" dirty="0"/>
-              <a:t>Choose a simple </a:t>
-            </a:r>
-            <a:r>
-              <a:rPr lang="en-US"/>
-              <a:t>function trying </a:t>
-            </a:r>
-            <a:r>
-              <a:rPr lang="en-US" dirty="0"/>
-              <a:t>all the packages and see what will be the results in terms of optimal answer and time complexity </a:t>
+              <a:t>Choose a simple function trying all the packages and see what will be the results in terms of optimal answer and time complexity </a:t>
             </a:r>
           </a:p>
           <a:p>

--- a/Exploring Various Optimizers (1).pptx
+++ b/Exploring Various Optimizers (1).pptx
@@ -6304,25 +6304,33 @@
           <a:p>
             <a:r>
               <a:rPr lang="en-US" dirty="0"/>
-              <a:t>Look at the optimizers we considered and run the different packages </a:t>
+              <a:t>Analyze the optimizer and different packages that provide Bayesian optimizers</a:t>
             </a:r>
           </a:p>
           <a:p>
             <a:r>
               <a:rPr lang="en-US" dirty="0"/>
-              <a:t>Choose a simple function trying all the packages and see what will be the results in terms of optimal answer and time complexity </a:t>
+              <a:t>Implement all the packages’ optimizers on a simple function and compare the results in terms of optimal solutions and time complexity</a:t>
+            </a:r>
+          </a:p>
+          <a:p>
+            <a:r>
+              <a:rPr lang="en-US" dirty="0"/>
+              <a:t>Evaluate the optimizers </a:t>
+            </a:r>
+            <a:r>
+              <a:rPr lang="en-US"/>
+              <a:t>with some other </a:t>
+            </a:r>
+            <a:r>
+              <a:rPr lang="en-US" dirty="0"/>
+              <a:t>known functions</a:t>
             </a:r>
           </a:p>
           <a:p>
             <a:r>
               <a:rPr lang="en-US" dirty="0"/>
               <a:t>Look for additional optimizers </a:t>
-            </a:r>
-          </a:p>
-          <a:p>
-            <a:r>
-              <a:rPr lang="en-US" dirty="0"/>
-              <a:t>Test the optimizers with other known functions</a:t>
             </a:r>
           </a:p>
           <a:p>

--- a/Exploring Various Optimizers (1).pptx
+++ b/Exploring Various Optimizers (1).pptx
@@ -5,7 +5,7 @@
     <p:sldMasterId id="2147483648" r:id="rId1"/>
   </p:sldMasterIdLst>
   <p:notesMasterIdLst>
-    <p:notesMasterId r:id="rId10"/>
+    <p:notesMasterId r:id="rId9"/>
   </p:notesMasterIdLst>
   <p:sldIdLst>
     <p:sldId id="256" r:id="rId2"/>
@@ -13,9 +13,8 @@
     <p:sldId id="263" r:id="rId4"/>
     <p:sldId id="260" r:id="rId5"/>
     <p:sldId id="264" r:id="rId6"/>
-    <p:sldId id="268" r:id="rId7"/>
-    <p:sldId id="265" r:id="rId8"/>
-    <p:sldId id="266" r:id="rId9"/>
+    <p:sldId id="265" r:id="rId7"/>
+    <p:sldId id="266" r:id="rId8"/>
   </p:sldIdLst>
   <p:sldSz cx="12192000" cy="6858000"/>
   <p:notesSz cx="6858000" cy="9144000"/>
@@ -5656,91 +5655,72 @@
         </p:nvSpPr>
         <p:spPr>
           <a:xfrm>
-            <a:off x="4330068" y="1450161"/>
-            <a:ext cx="7570966" cy="4525278"/>
+            <a:off x="4330068" y="1398109"/>
+            <a:ext cx="7570966" cy="5021079"/>
           </a:xfrm>
         </p:spPr>
         <p:txBody>
           <a:bodyPr>
-            <a:normAutofit lnSpcReduction="10000"/>
+            <a:normAutofit/>
           </a:bodyPr>
           <a:lstStyle/>
           <a:p>
             <a:r>
               <a:rPr lang="en-US" sz="1800" dirty="0"/>
-              <a:t>This is a </a:t>
-            </a:r>
-            <a:r>
-              <a:rPr lang="en-US" sz="1800" b="1" u="sng" dirty="0"/>
-              <a:t>constrained global optimization</a:t>
-            </a:r>
-            <a:r>
-              <a:rPr lang="en-US" sz="1800" b="1" dirty="0"/>
-              <a:t> </a:t>
-            </a:r>
-            <a:r>
-              <a:rPr lang="en-US" sz="1800" dirty="0"/>
-              <a:t>package built upon Bayesian inference and Gaussian process.</a:t>
+              <a:t>The core question in Bayesian Optimization is: “Based on what we know so far, which point should we evaluate next?” The process of selecting the next point to evaluate is very important since this can be a very costly process</a:t>
             </a:r>
           </a:p>
           <a:p>
             <a:pPr lvl="1"/>
             <a:r>
-              <a:rPr lang="en-US" sz="1400" b="1" u="sng" dirty="0"/>
-              <a:t>Constrained global optimization </a:t>
-            </a:r>
-            <a:r>
-              <a:rPr lang="en-US" sz="1400" dirty="0"/>
-              <a:t>- process of optimizing an objective function with respect to some variables in the presence of constraints on those variables</a:t>
+              <a:rPr lang="en-US" sz="1600" b="1" u="sng" dirty="0"/>
+              <a:t>Example</a:t>
+            </a:r>
+            <a:r>
+              <a:rPr lang="en-US" sz="1600" b="1" dirty="0"/>
+              <a:t>: </a:t>
+            </a:r>
+            <a:r>
+              <a:rPr lang="en-US" sz="1600" dirty="0"/>
+              <a:t>Drilling for oil, testing each location may cost $1 million or more</a:t>
             </a:r>
           </a:p>
           <a:p>
             <a:pPr marL="457200" lvl="1" indent="0">
               <a:buNone/>
             </a:pPr>
-            <a:endParaRPr lang="en-US" sz="1100" dirty="0"/>
+            <a:endParaRPr lang="en-US" sz="1600" dirty="0"/>
           </a:p>
           <a:p>
             <a:r>
               <a:rPr lang="en-US" sz="1800" dirty="0"/>
-              <a:t>It attempts to find the maximum or minimum value of a function in as few iterations as possible. </a:t>
+              <a:t>Bayes_Opt uses Gaussian processes to construct a posterior distribution of functions that best describes the function the user wishes to optimize.</a:t>
             </a:r>
           </a:p>
           <a:p>
             <a:pPr marL="0" indent="0">
               <a:buNone/>
             </a:pPr>
-            <a:endParaRPr lang="en-US" sz="1100" dirty="0"/>
+            <a:endParaRPr lang="en-US" sz="1800" dirty="0"/>
           </a:p>
           <a:p>
             <a:r>
               <a:rPr lang="en-US" sz="1800" dirty="0"/>
-              <a:t>This is particularly useful for optimization of high-cost functions or situations where the balance between exploration and exploitation is important.</a:t>
+              <a:t>This distribution improves and the algorithm becomes more confident of which regions to explore as the number of observations grows.</a:t>
             </a:r>
           </a:p>
           <a:p>
             <a:pPr lvl="1"/>
             <a:r>
-              <a:rPr lang="en-US" sz="1400" b="1" u="sng" dirty="0"/>
-              <a:t>Example</a:t>
-            </a:r>
-            <a:r>
-              <a:rPr lang="en-US" sz="1400" b="1" dirty="0"/>
-              <a:t>: </a:t>
-            </a:r>
-            <a:r>
-              <a:rPr lang="en-US" sz="1400" dirty="0"/>
-              <a:t>Drilling for oil, testing each location may cost $1 million or more</a:t>
-            </a:r>
-          </a:p>
-          <a:p>
-            <a:pPr marL="0" lvl="1" indent="0">
-              <a:spcBef>
-                <a:spcPts val="1000"/>
-              </a:spcBef>
+              <a:rPr lang="en-US" sz="1600" dirty="0"/>
+              <a:t>It uses an acquisition function to balance between exploration and exploitation</a:t>
+            </a:r>
+          </a:p>
+          <a:p>
+            <a:pPr marL="457200" lvl="1" indent="0">
               <a:buNone/>
             </a:pPr>
-            <a:endParaRPr lang="en-US" sz="1200" dirty="0"/>
+            <a:endParaRPr lang="en-US" sz="1600" dirty="0"/>
           </a:p>
           <a:p>
             <a:pPr marL="228600" lvl="1">
@@ -5750,25 +5730,8 @@
             </a:pPr>
             <a:r>
               <a:rPr lang="en-US" sz="1800" dirty="0"/>
-              <a:t>Since this is a constrained optimization technique, you must specify the bounds for each parameter for it to work</a:t>
-            </a:r>
-          </a:p>
-          <a:p>
-            <a:pPr marL="228600" lvl="1">
-              <a:spcBef>
-                <a:spcPts val="1000"/>
-              </a:spcBef>
-            </a:pPr>
-            <a:r>
-              <a:rPr lang="en-US" sz="1800" dirty="0"/>
-              <a:t>The processing time can be longer if the user chooses to tune the hyper-parameters to obtain more accuracy in the output</a:t>
-            </a:r>
-          </a:p>
-          <a:p>
-            <a:pPr marL="457200" lvl="1" indent="0">
-              <a:buNone/>
-            </a:pPr>
-            <a:endParaRPr lang="en-US" sz="1400" dirty="0"/>
+              <a:t>Although this package is quite effective as is, the user has the ability to tune available hyperparameters to obtain more accuracy in the output; however, this can increase the processing time</a:t>
+            </a:r>
           </a:p>
         </p:txBody>
       </p:sp>
@@ -6151,104 +6114,6 @@
           <p:cNvPr id="2" name="Title 1">
             <a:extLst>
               <a:ext uri="{FF2B5EF4-FFF2-40B4-BE49-F238E27FC236}">
-                <a16:creationId xmlns:a16="http://schemas.microsoft.com/office/drawing/2014/main" id="{BA6BDF95-063C-3440-BF4D-8E56258A99E8}"/>
-              </a:ext>
-            </a:extLst>
-          </p:cNvPr>
-          <p:cNvSpPr>
-            <a:spLocks noGrp="1"/>
-          </p:cNvSpPr>
-          <p:nvPr>
-            <p:ph type="title"/>
-          </p:nvPr>
-        </p:nvSpPr>
-        <p:spPr/>
-        <p:txBody>
-          <a:bodyPr/>
-          <a:lstStyle/>
-          <a:p>
-            <a:r>
-              <a:rPr lang="en-US" dirty="0"/>
-              <a:t>Drawbacks</a:t>
-            </a:r>
-          </a:p>
-        </p:txBody>
-      </p:sp>
-      <p:sp>
-        <p:nvSpPr>
-          <p:cNvPr id="3" name="Content Placeholder 2">
-            <a:extLst>
-              <a:ext uri="{FF2B5EF4-FFF2-40B4-BE49-F238E27FC236}">
-                <a16:creationId xmlns:a16="http://schemas.microsoft.com/office/drawing/2014/main" id="{DF85370D-4764-934F-B682-D8F4E82E76EB}"/>
-              </a:ext>
-            </a:extLst>
-          </p:cNvPr>
-          <p:cNvSpPr>
-            <a:spLocks noGrp="1"/>
-          </p:cNvSpPr>
-          <p:nvPr>
-            <p:ph idx="1"/>
-          </p:nvPr>
-        </p:nvSpPr>
-        <p:spPr/>
-        <p:txBody>
-          <a:bodyPr/>
-          <a:lstStyle/>
-          <a:p>
-            <a:r>
-              <a:rPr lang="en-US" dirty="0"/>
-              <a:t>Results are sensitive to hyper parameters which underestimates uncertainty</a:t>
-            </a:r>
-          </a:p>
-          <a:p>
-            <a:r>
-              <a:rPr lang="en-US" dirty="0"/>
-              <a:t>The objective is a complex function which is expensive and timely to evaluate</a:t>
-            </a:r>
-          </a:p>
-          <a:p>
-            <a:r>
-              <a:rPr lang="en-US" dirty="0"/>
-              <a:t>The outcome are not the exact optimum (not accurate)</a:t>
-            </a:r>
-          </a:p>
-        </p:txBody>
-      </p:sp>
-    </p:spTree>
-    <p:extLst>
-      <p:ext uri="{BB962C8B-B14F-4D97-AF65-F5344CB8AC3E}">
-        <p14:creationId xmlns:p14="http://schemas.microsoft.com/office/powerpoint/2010/main" val="4072473980"/>
-      </p:ext>
-    </p:extLst>
-  </p:cSld>
-  <p:clrMapOvr>
-    <a:masterClrMapping/>
-  </p:clrMapOvr>
-</p:sld>
-</file>
-
-<file path=ppt/slides/slide7.xml><?xml version="1.0" encoding="utf-8"?>
-<p:sld xmlns:a="http://schemas.openxmlformats.org/drawingml/2006/main" xmlns:r="http://schemas.openxmlformats.org/officeDocument/2006/relationships" xmlns:p="http://schemas.openxmlformats.org/presentationml/2006/main">
-  <p:cSld>
-    <p:spTree>
-      <p:nvGrpSpPr>
-        <p:cNvPr id="1" name=""/>
-        <p:cNvGrpSpPr/>
-        <p:nvPr/>
-      </p:nvGrpSpPr>
-      <p:grpSpPr>
-        <a:xfrm>
-          <a:off x="0" y="0"/>
-          <a:ext cx="0" cy="0"/>
-          <a:chOff x="0" y="0"/>
-          <a:chExt cx="0" cy="0"/>
-        </a:xfrm>
-      </p:grpSpPr>
-      <p:sp>
-        <p:nvSpPr>
-          <p:cNvPr id="2" name="Title 1">
-            <a:extLst>
-              <a:ext uri="{FF2B5EF4-FFF2-40B4-BE49-F238E27FC236}">
                 <a16:creationId xmlns:a16="http://schemas.microsoft.com/office/drawing/2014/main" id="{D4BDF1A1-7256-6847-900A-D8F01E76FB78}"/>
               </a:ext>
             </a:extLst>
@@ -6351,7 +6216,7 @@
 </p:sld>
 </file>
 
-<file path=ppt/slides/slide8.xml><?xml version="1.0" encoding="utf-8"?>
+<file path=ppt/slides/slide7.xml><?xml version="1.0" encoding="utf-8"?>
 <p:sld xmlns:a="http://schemas.openxmlformats.org/drawingml/2006/main" xmlns:r="http://schemas.openxmlformats.org/officeDocument/2006/relationships" xmlns:p="http://schemas.openxmlformats.org/presentationml/2006/main">
   <p:cSld>
     <p:spTree>

--- a/Exploring Various Optimizers (1).pptx
+++ b/Exploring Various Optimizers (1).pptx
@@ -5062,96 +5062,6 @@
           <a:chExt cx="0" cy="0"/>
         </a:xfrm>
       </p:grpSpPr>
-      <p:pic>
-        <p:nvPicPr>
-          <p:cNvPr id="7" name="Picture 6">
-            <a:extLst>
-              <a:ext uri="{FF2B5EF4-FFF2-40B4-BE49-F238E27FC236}">
-                <a16:creationId xmlns:a16="http://schemas.microsoft.com/office/drawing/2014/main" id="{986088B2-5380-8A45-A657-C1A822E80503}"/>
-              </a:ext>
-            </a:extLst>
-          </p:cNvPr>
-          <p:cNvPicPr>
-            <a:picLocks noChangeAspect="1"/>
-          </p:cNvPicPr>
-          <p:nvPr/>
-        </p:nvPicPr>
-        <p:blipFill>
-          <a:blip r:embed="rId2"/>
-          <a:stretch>
-            <a:fillRect/>
-          </a:stretch>
-        </p:blipFill>
-        <p:spPr>
-          <a:xfrm>
-            <a:off x="197485" y="131419"/>
-            <a:ext cx="3984052" cy="2041827"/>
-          </a:xfrm>
-          <a:prstGeom prst="rect">
-            <a:avLst/>
-          </a:prstGeom>
-        </p:spPr>
-      </p:pic>
-      <p:pic>
-        <p:nvPicPr>
-          <p:cNvPr id="8" name="Picture 7">
-            <a:extLst>
-              <a:ext uri="{FF2B5EF4-FFF2-40B4-BE49-F238E27FC236}">
-                <a16:creationId xmlns:a16="http://schemas.microsoft.com/office/drawing/2014/main" id="{CD220D63-A215-434C-B48F-D212B7F68D76}"/>
-              </a:ext>
-            </a:extLst>
-          </p:cNvPr>
-          <p:cNvPicPr>
-            <a:picLocks noChangeAspect="1"/>
-          </p:cNvPicPr>
-          <p:nvPr/>
-        </p:nvPicPr>
-        <p:blipFill>
-          <a:blip r:embed="rId3"/>
-          <a:stretch>
-            <a:fillRect/>
-          </a:stretch>
-        </p:blipFill>
-        <p:spPr>
-          <a:xfrm>
-            <a:off x="197485" y="2173246"/>
-            <a:ext cx="3984052" cy="1996994"/>
-          </a:xfrm>
-          <a:prstGeom prst="rect">
-            <a:avLst/>
-          </a:prstGeom>
-        </p:spPr>
-      </p:pic>
-      <p:pic>
-        <p:nvPicPr>
-          <p:cNvPr id="9" name="Picture 8">
-            <a:extLst>
-              <a:ext uri="{FF2B5EF4-FFF2-40B4-BE49-F238E27FC236}">
-                <a16:creationId xmlns:a16="http://schemas.microsoft.com/office/drawing/2014/main" id="{AAD2E590-6971-3F41-890E-BDC9AC4BEE7A}"/>
-              </a:ext>
-            </a:extLst>
-          </p:cNvPr>
-          <p:cNvPicPr>
-            <a:picLocks noChangeAspect="1"/>
-          </p:cNvPicPr>
-          <p:nvPr/>
-        </p:nvPicPr>
-        <p:blipFill>
-          <a:blip r:embed="rId4"/>
-          <a:stretch>
-            <a:fillRect/>
-          </a:stretch>
-        </p:blipFill>
-        <p:spPr>
-          <a:xfrm>
-            <a:off x="197485" y="4144098"/>
-            <a:ext cx="3984052" cy="1996994"/>
-          </a:xfrm>
-          <a:prstGeom prst="rect">
-            <a:avLst/>
-          </a:prstGeom>
-        </p:spPr>
-      </p:pic>
       <p:grpSp>
         <p:nvGrpSpPr>
           <p:cNvPr id="22" name="Group 21">
@@ -5242,7 +5152,7 @@
               <p:nvPr/>
             </p:nvPicPr>
             <p:blipFill>
-              <a:blip r:embed="rId5"/>
+              <a:blip r:embed="rId2"/>
               <a:stretch>
                 <a:fillRect/>
               </a:stretch>
@@ -5298,7 +5208,7 @@
               <p:nvPr/>
             </p:nvPicPr>
             <p:blipFill>
-              <a:blip r:embed="rId6"/>
+              <a:blip r:embed="rId3"/>
               <a:stretch>
                 <a:fillRect/>
               </a:stretch>
@@ -5355,214 +5265,184 @@
           </p:sp>
         </p:grpSp>
       </p:grpSp>
-      <p:grpSp>
-        <p:nvGrpSpPr>
-          <p:cNvPr id="29" name="Group 28">
-            <a:extLst>
-              <a:ext uri="{FF2B5EF4-FFF2-40B4-BE49-F238E27FC236}">
-                <a16:creationId xmlns:a16="http://schemas.microsoft.com/office/drawing/2014/main" id="{F5124544-E77B-2744-AF11-A2DD438AFEE6}"/>
-              </a:ext>
-            </a:extLst>
-          </p:cNvPr>
-          <p:cNvGrpSpPr/>
+      <p:sp>
+        <p:nvSpPr>
+          <p:cNvPr id="25" name="Content Placeholder 2">
+            <a:extLst>
+              <a:ext uri="{FF2B5EF4-FFF2-40B4-BE49-F238E27FC236}">
+                <a16:creationId xmlns:a16="http://schemas.microsoft.com/office/drawing/2014/main" id="{34CC0C27-B6F9-3746-9188-DE2074E50B69}"/>
+              </a:ext>
+            </a:extLst>
+          </p:cNvPr>
+          <p:cNvSpPr>
+            <a:spLocks noGrp="1"/>
+          </p:cNvSpPr>
+          <p:nvPr>
+            <p:ph idx="1"/>
+          </p:nvPr>
+        </p:nvSpPr>
+        <p:spPr>
+          <a:xfrm>
+            <a:off x="4330068" y="1398109"/>
+            <a:ext cx="7570966" cy="5021079"/>
+          </a:xfrm>
+        </p:spPr>
+        <p:txBody>
+          <a:bodyPr>
+            <a:normAutofit/>
+          </a:bodyPr>
+          <a:lstStyle/>
+          <a:p>
+            <a:r>
+              <a:rPr lang="en-US" sz="1800" dirty="0"/>
+              <a:t>The core question in Bayesian Optimization is: “Based on what we know so far, which point should we evaluate next?” The process of selecting the next point to evaluate is very important since this can be a very costly process</a:t>
+            </a:r>
+          </a:p>
+          <a:p>
+            <a:pPr lvl="1"/>
+            <a:r>
+              <a:rPr lang="en-US" sz="1600" b="1" u="sng" dirty="0"/>
+              <a:t>Example</a:t>
+            </a:r>
+            <a:r>
+              <a:rPr lang="en-US" sz="1600" b="1" dirty="0"/>
+              <a:t>: </a:t>
+            </a:r>
+            <a:r>
+              <a:rPr lang="en-US" sz="1600" dirty="0"/>
+              <a:t>Drilling for oil, testing each location may cost $1 million or more</a:t>
+            </a:r>
+          </a:p>
+          <a:p>
+            <a:pPr marL="457200" lvl="1" indent="0">
+              <a:buNone/>
+            </a:pPr>
+            <a:endParaRPr lang="en-US" sz="1600" dirty="0"/>
+          </a:p>
+          <a:p>
+            <a:r>
+              <a:rPr lang="en-US" sz="1800" dirty="0"/>
+              <a:t>Bayes_Opt uses Gaussian processes to construct a posterior distribution of functions that best describes the function the user wishes to optimize.</a:t>
+            </a:r>
+          </a:p>
+          <a:p>
+            <a:pPr marL="0" indent="0">
+              <a:buNone/>
+            </a:pPr>
+            <a:endParaRPr lang="en-US" sz="1800" dirty="0"/>
+          </a:p>
+          <a:p>
+            <a:r>
+              <a:rPr lang="en-US" sz="1800" dirty="0"/>
+              <a:t>This distribution improves and the algorithm becomes more confident of which regions to explore as the number of observations grows.</a:t>
+            </a:r>
+          </a:p>
+          <a:p>
+            <a:pPr lvl="1"/>
+            <a:r>
+              <a:rPr lang="en-US" sz="1600" dirty="0"/>
+              <a:t>It uses an acquisition function to balance between exploration and exploitation when determining the next point to test</a:t>
+            </a:r>
+          </a:p>
+          <a:p>
+            <a:pPr marL="457200" lvl="1" indent="0">
+              <a:buNone/>
+            </a:pPr>
+            <a:endParaRPr lang="en-US" sz="1600" dirty="0"/>
+          </a:p>
+          <a:p>
+            <a:pPr marL="228600" lvl="1">
+              <a:spcBef>
+                <a:spcPts val="1000"/>
+              </a:spcBef>
+            </a:pPr>
+            <a:r>
+              <a:rPr lang="en-US" sz="1800" dirty="0"/>
+              <a:t>Although this package is quite effective as is, the user has the ability to tune available hyperparameters to obtain more accuracy in the output; however, this can increase the processing time.</a:t>
+            </a:r>
+          </a:p>
+        </p:txBody>
+      </p:sp>
+      <p:sp>
+        <p:nvSpPr>
+          <p:cNvPr id="26" name="Title 1">
+            <a:extLst>
+              <a:ext uri="{FF2B5EF4-FFF2-40B4-BE49-F238E27FC236}">
+                <a16:creationId xmlns:a16="http://schemas.microsoft.com/office/drawing/2014/main" id="{B967B30E-8C17-0547-B964-6813CE6A8C3F}"/>
+              </a:ext>
+            </a:extLst>
+          </p:cNvPr>
+          <p:cNvSpPr>
+            <a:spLocks noGrp="1"/>
+          </p:cNvSpPr>
+          <p:nvPr>
+            <p:ph type="title"/>
+          </p:nvPr>
+        </p:nvSpPr>
+        <p:spPr>
+          <a:xfrm>
+            <a:off x="4630463" y="162506"/>
+            <a:ext cx="7364052" cy="1122598"/>
+          </a:xfrm>
+        </p:spPr>
+        <p:txBody>
+          <a:bodyPr>
+            <a:normAutofit/>
+          </a:bodyPr>
+          <a:lstStyle/>
+          <a:p>
+            <a:pPr algn="ctr"/>
+            <a:r>
+              <a:rPr lang="en-US" sz="3600" b="1" dirty="0"/>
+              <a:t>“Bayes_Opt”</a:t>
+            </a:r>
+            <a:br>
+              <a:rPr lang="en-US" sz="3600" b="1" dirty="0"/>
+            </a:br>
+            <a:r>
+              <a:rPr lang="en-US" sz="3200" b="1" dirty="0"/>
+              <a:t>Bayesian Optimization</a:t>
+            </a:r>
+            <a:endParaRPr lang="en-US" sz="3600" b="1" dirty="0"/>
+          </a:p>
+        </p:txBody>
+      </p:sp>
+      <p:pic>
+        <p:nvPicPr>
+          <p:cNvPr id="3" name="Picture 2">
+            <a:extLst>
+              <a:ext uri="{FF2B5EF4-FFF2-40B4-BE49-F238E27FC236}">
+                <a16:creationId xmlns:a16="http://schemas.microsoft.com/office/drawing/2014/main" id="{9993E4F7-8733-434C-800A-6F8504148BF7}"/>
+              </a:ext>
+            </a:extLst>
+          </p:cNvPr>
+          <p:cNvPicPr>
+            <a:picLocks noChangeAspect="1"/>
+          </p:cNvPicPr>
           <p:nvPr/>
-        </p:nvGrpSpPr>
-        <p:grpSpPr>
+        </p:nvPicPr>
+        <p:blipFill>
+          <a:blip r:embed="rId4"/>
+          <a:stretch>
+            <a:fillRect/>
+          </a:stretch>
+        </p:blipFill>
+        <p:spPr>
           <a:xfrm>
-            <a:off x="1889117" y="371395"/>
-            <a:ext cx="1073294" cy="502753"/>
-            <a:chOff x="2939441" y="457892"/>
-            <a:chExt cx="1073294" cy="502753"/>
+            <a:off x="503630" y="289063"/>
+            <a:ext cx="3724891" cy="5462380"/>
           </a:xfrm>
-        </p:grpSpPr>
-        <p:cxnSp>
-          <p:nvCxnSpPr>
-            <p:cNvPr id="24" name="Straight Arrow Connector 23">
-              <a:extLst>
-                <a:ext uri="{FF2B5EF4-FFF2-40B4-BE49-F238E27FC236}">
-                  <a16:creationId xmlns:a16="http://schemas.microsoft.com/office/drawing/2014/main" id="{6CF5308F-D097-E247-A045-D67DFC15FE98}"/>
-                </a:ext>
-              </a:extLst>
-            </p:cNvPr>
-            <p:cNvCxnSpPr>
-              <a:cxnSpLocks/>
-            </p:cNvCxnSpPr>
-            <p:nvPr/>
-          </p:nvCxnSpPr>
-          <p:spPr>
-            <a:xfrm flipH="1">
-              <a:off x="2939441" y="698573"/>
-              <a:ext cx="300394" cy="262072"/>
-            </a:xfrm>
-            <a:prstGeom prst="straightConnector1">
-              <a:avLst/>
-            </a:prstGeom>
-            <a:ln>
-              <a:solidFill>
-                <a:schemeClr val="tx1"/>
-              </a:solidFill>
-              <a:tailEnd type="triangle"/>
-            </a:ln>
-          </p:spPr>
-          <p:style>
-            <a:lnRef idx="1">
-              <a:schemeClr val="accent1"/>
-            </a:lnRef>
-            <a:fillRef idx="0">
-              <a:schemeClr val="accent1"/>
-            </a:fillRef>
-            <a:effectRef idx="0">
-              <a:schemeClr val="accent1"/>
-            </a:effectRef>
-            <a:fontRef idx="minor">
-              <a:schemeClr val="tx1"/>
-            </a:fontRef>
-          </p:style>
-        </p:cxnSp>
-        <p:sp>
-          <p:nvSpPr>
-            <p:cNvPr id="27" name="TextBox 26">
-              <a:extLst>
-                <a:ext uri="{FF2B5EF4-FFF2-40B4-BE49-F238E27FC236}">
-                  <a16:creationId xmlns:a16="http://schemas.microsoft.com/office/drawing/2014/main" id="{BBC92465-9099-754E-95DC-0EA5F134615D}"/>
-                </a:ext>
-              </a:extLst>
-            </p:cNvPr>
-            <p:cNvSpPr txBox="1"/>
-            <p:nvPr/>
-          </p:nvSpPr>
-          <p:spPr>
-            <a:xfrm>
-              <a:off x="3131506" y="457892"/>
-              <a:ext cx="881229" cy="461665"/>
-            </a:xfrm>
-            <a:prstGeom prst="rect">
-              <a:avLst/>
-            </a:prstGeom>
-            <a:noFill/>
-          </p:spPr>
-          <p:txBody>
-            <a:bodyPr wrap="square" rtlCol="0">
-              <a:spAutoFit/>
-            </a:bodyPr>
-            <a:lstStyle/>
-            <a:p>
-              <a:pPr algn="ctr"/>
-              <a:r>
-                <a:rPr lang="en-US" sz="1200" i="1" dirty="0"/>
-                <a:t>Posterior mean</a:t>
-              </a:r>
-            </a:p>
-          </p:txBody>
-        </p:sp>
-      </p:grpSp>
-      <p:grpSp>
-        <p:nvGrpSpPr>
-          <p:cNvPr id="30" name="Group 29">
-            <a:extLst>
-              <a:ext uri="{FF2B5EF4-FFF2-40B4-BE49-F238E27FC236}">
-                <a16:creationId xmlns:a16="http://schemas.microsoft.com/office/drawing/2014/main" id="{51F8AA7C-E6AE-2548-94DE-2115E13A552A}"/>
-              </a:ext>
-            </a:extLst>
-          </p:cNvPr>
-          <p:cNvGrpSpPr/>
-          <p:nvPr/>
-        </p:nvGrpSpPr>
-        <p:grpSpPr>
-          <a:xfrm>
-            <a:off x="2189511" y="1132523"/>
-            <a:ext cx="1330155" cy="523961"/>
-            <a:chOff x="2166541" y="653971"/>
-            <a:chExt cx="1330155" cy="523961"/>
-          </a:xfrm>
-        </p:grpSpPr>
-        <p:cxnSp>
-          <p:nvCxnSpPr>
-            <p:cNvPr id="31" name="Straight Arrow Connector 30">
-              <a:extLst>
-                <a:ext uri="{FF2B5EF4-FFF2-40B4-BE49-F238E27FC236}">
-                  <a16:creationId xmlns:a16="http://schemas.microsoft.com/office/drawing/2014/main" id="{43E15BB9-CB75-744A-84E6-3BA7A9A8A519}"/>
-                </a:ext>
-              </a:extLst>
-            </p:cNvPr>
-            <p:cNvCxnSpPr>
-              <a:cxnSpLocks/>
-            </p:cNvCxnSpPr>
-            <p:nvPr/>
-          </p:nvCxnSpPr>
-          <p:spPr>
-            <a:xfrm flipH="1" flipV="1">
-              <a:off x="2166541" y="653971"/>
-              <a:ext cx="668286" cy="265586"/>
-            </a:xfrm>
-            <a:prstGeom prst="straightConnector1">
-              <a:avLst/>
-            </a:prstGeom>
-            <a:ln>
-              <a:solidFill>
-                <a:schemeClr val="tx1"/>
-              </a:solidFill>
-              <a:tailEnd type="triangle"/>
-            </a:ln>
-          </p:spPr>
-          <p:style>
-            <a:lnRef idx="1">
-              <a:schemeClr val="accent1"/>
-            </a:lnRef>
-            <a:fillRef idx="0">
-              <a:schemeClr val="accent1"/>
-            </a:fillRef>
-            <a:effectRef idx="0">
-              <a:schemeClr val="accent1"/>
-            </a:effectRef>
-            <a:fontRef idx="minor">
-              <a:schemeClr val="tx1"/>
-            </a:fontRef>
-          </p:style>
-        </p:cxnSp>
-        <p:sp>
-          <p:nvSpPr>
-            <p:cNvPr id="32" name="TextBox 31">
-              <a:extLst>
-                <a:ext uri="{FF2B5EF4-FFF2-40B4-BE49-F238E27FC236}">
-                  <a16:creationId xmlns:a16="http://schemas.microsoft.com/office/drawing/2014/main" id="{B113C850-24E9-314C-AC5E-44B2351F8F86}"/>
-                </a:ext>
-              </a:extLst>
-            </p:cNvPr>
-            <p:cNvSpPr txBox="1"/>
-            <p:nvPr/>
-          </p:nvSpPr>
-          <p:spPr>
-            <a:xfrm>
-              <a:off x="2615467" y="716267"/>
-              <a:ext cx="881229" cy="461665"/>
-            </a:xfrm>
-            <a:prstGeom prst="rect">
-              <a:avLst/>
-            </a:prstGeom>
-            <a:noFill/>
-          </p:spPr>
-          <p:txBody>
-            <a:bodyPr wrap="square" rtlCol="0">
-              <a:spAutoFit/>
-            </a:bodyPr>
-            <a:lstStyle/>
-            <a:p>
-              <a:pPr algn="ctr"/>
-              <a:r>
-                <a:rPr lang="en-US" sz="1200" i="1" dirty="0"/>
-                <a:t>True objective</a:t>
-              </a:r>
-            </a:p>
-          </p:txBody>
-        </p:sp>
-      </p:grpSp>
-      <p:sp>
-        <p:nvSpPr>
-          <p:cNvPr id="36" name="TextBox 35">
-            <a:extLst>
-              <a:ext uri="{FF2B5EF4-FFF2-40B4-BE49-F238E27FC236}">
-                <a16:creationId xmlns:a16="http://schemas.microsoft.com/office/drawing/2014/main" id="{26D00CF9-8247-E844-9BA3-709BE4A2B406}"/>
+          <a:prstGeom prst="rect">
+            <a:avLst/>
+          </a:prstGeom>
+        </p:spPr>
+      </p:pic>
+      <p:sp>
+        <p:nvSpPr>
+          <p:cNvPr id="4" name="TextBox 3">
+            <a:extLst>
+              <a:ext uri="{FF2B5EF4-FFF2-40B4-BE49-F238E27FC236}">
+                <a16:creationId xmlns:a16="http://schemas.microsoft.com/office/drawing/2014/main" id="{268C339E-D1D5-784B-941F-13E50C21C00A}"/>
               </a:ext>
             </a:extLst>
           </p:cNvPr>
@@ -5570,9 +5450,9 @@
           <p:nvPr/>
         </p:nvSpPr>
         <p:spPr>
-          <a:xfrm>
-            <a:off x="439498" y="1439197"/>
-            <a:ext cx="1449619" cy="276999"/>
+          <a:xfrm rot="16200000">
+            <a:off x="-279975" y="1146604"/>
+            <a:ext cx="1470991" cy="276999"/>
           </a:xfrm>
           <a:prstGeom prst="rect">
             <a:avLst/>
@@ -5587,193 +5467,104 @@
           <a:p>
             <a:pPr algn="ctr"/>
             <a:r>
-              <a:rPr lang="en-US" sz="1200" i="1" dirty="0"/>
-              <a:t>Acquisition Max</a:t>
-            </a:r>
-          </a:p>
-        </p:txBody>
-      </p:sp>
-      <p:cxnSp>
-        <p:nvCxnSpPr>
-          <p:cNvPr id="38" name="Straight Arrow Connector 37">
-            <a:extLst>
-              <a:ext uri="{FF2B5EF4-FFF2-40B4-BE49-F238E27FC236}">
-                <a16:creationId xmlns:a16="http://schemas.microsoft.com/office/drawing/2014/main" id="{3E4AA4ED-1BCC-0345-8E03-5763B78B1A57}"/>
-              </a:ext>
-            </a:extLst>
-          </p:cNvPr>
-          <p:cNvCxnSpPr>
-            <a:cxnSpLocks/>
-          </p:cNvCxnSpPr>
+              <a:rPr lang="en-US" sz="1200" dirty="0"/>
+              <a:t>2</a:t>
+            </a:r>
+            <a:r>
+              <a:rPr lang="en-US" sz="1200" baseline="30000" dirty="0"/>
+              <a:t>nd</a:t>
+            </a:r>
+            <a:r>
+              <a:rPr lang="en-US" sz="1200" dirty="0"/>
+              <a:t> iteration</a:t>
+            </a:r>
+          </a:p>
+        </p:txBody>
+      </p:sp>
+      <p:sp>
+        <p:nvSpPr>
+          <p:cNvPr id="28" name="TextBox 27">
+            <a:extLst>
+              <a:ext uri="{FF2B5EF4-FFF2-40B4-BE49-F238E27FC236}">
+                <a16:creationId xmlns:a16="http://schemas.microsoft.com/office/drawing/2014/main" id="{8C2B6624-4D44-DE40-8088-0763646F7674}"/>
+              </a:ext>
+            </a:extLst>
+          </p:cNvPr>
+          <p:cNvSpPr txBox="1"/>
           <p:nvPr/>
-        </p:nvCxnSpPr>
+        </p:nvSpPr>
         <p:spPr>
-          <a:xfrm>
-            <a:off x="1692876" y="1577696"/>
-            <a:ext cx="420704" cy="1"/>
+          <a:xfrm rot="16200000">
+            <a:off x="-279975" y="2964280"/>
+            <a:ext cx="1470991" cy="276999"/>
           </a:xfrm>
-          <a:prstGeom prst="straightConnector1">
+          <a:prstGeom prst="rect">
             <a:avLst/>
           </a:prstGeom>
-          <a:ln>
-            <a:solidFill>
-              <a:schemeClr val="tx1"/>
-            </a:solidFill>
-            <a:tailEnd type="triangle"/>
-          </a:ln>
+          <a:noFill/>
         </p:spPr>
-        <p:style>
-          <a:lnRef idx="1">
-            <a:schemeClr val="accent1"/>
-          </a:lnRef>
-          <a:fillRef idx="0">
-            <a:schemeClr val="accent1"/>
-          </a:fillRef>
-          <a:effectRef idx="0">
-            <a:schemeClr val="accent1"/>
-          </a:effectRef>
-          <a:fontRef idx="minor">
-            <a:schemeClr val="tx1"/>
-          </a:fontRef>
-        </p:style>
-      </p:cxnSp>
-      <p:sp>
-        <p:nvSpPr>
-          <p:cNvPr id="25" name="Content Placeholder 2">
-            <a:extLst>
-              <a:ext uri="{FF2B5EF4-FFF2-40B4-BE49-F238E27FC236}">
-                <a16:creationId xmlns:a16="http://schemas.microsoft.com/office/drawing/2014/main" id="{34CC0C27-B6F9-3746-9188-DE2074E50B69}"/>
-              </a:ext>
-            </a:extLst>
-          </p:cNvPr>
-          <p:cNvSpPr>
-            <a:spLocks noGrp="1"/>
-          </p:cNvSpPr>
-          <p:nvPr>
-            <p:ph idx="1"/>
-          </p:nvPr>
-        </p:nvSpPr>
-        <p:spPr>
-          <a:xfrm>
-            <a:off x="4330068" y="1398109"/>
-            <a:ext cx="7570966" cy="5021079"/>
-          </a:xfrm>
-        </p:spPr>
-        <p:txBody>
-          <a:bodyPr>
-            <a:normAutofit/>
+        <p:txBody>
+          <a:bodyPr wrap="square" rtlCol="0">
+            <a:spAutoFit/>
           </a:bodyPr>
           <a:lstStyle/>
           <a:p>
-            <a:r>
-              <a:rPr lang="en-US" sz="1800" dirty="0"/>
-              <a:t>The core question in Bayesian Optimization is: “Based on what we know so far, which point should we evaluate next?” The process of selecting the next point to evaluate is very important since this can be a very costly process</a:t>
-            </a:r>
-          </a:p>
-          <a:p>
-            <a:pPr lvl="1"/>
-            <a:r>
-              <a:rPr lang="en-US" sz="1600" b="1" u="sng" dirty="0"/>
-              <a:t>Example</a:t>
-            </a:r>
-            <a:r>
-              <a:rPr lang="en-US" sz="1600" b="1" dirty="0"/>
-              <a:t>: </a:t>
-            </a:r>
-            <a:r>
-              <a:rPr lang="en-US" sz="1600" dirty="0"/>
-              <a:t>Drilling for oil, testing each location may cost $1 million or more</a:t>
-            </a:r>
-          </a:p>
-          <a:p>
-            <a:pPr marL="457200" lvl="1" indent="0">
-              <a:buNone/>
-            </a:pPr>
-            <a:endParaRPr lang="en-US" sz="1600" dirty="0"/>
-          </a:p>
-          <a:p>
-            <a:r>
-              <a:rPr lang="en-US" sz="1800" dirty="0"/>
-              <a:t>Bayes_Opt uses Gaussian processes to construct a posterior distribution of functions that best describes the function the user wishes to optimize.</a:t>
-            </a:r>
-          </a:p>
-          <a:p>
-            <a:pPr marL="0" indent="0">
-              <a:buNone/>
-            </a:pPr>
-            <a:endParaRPr lang="en-US" sz="1800" dirty="0"/>
-          </a:p>
-          <a:p>
-            <a:r>
-              <a:rPr lang="en-US" sz="1800" dirty="0"/>
-              <a:t>This distribution improves and the algorithm becomes more confident of which regions to explore as the number of observations grows.</a:t>
-            </a:r>
-          </a:p>
-          <a:p>
-            <a:pPr lvl="1"/>
-            <a:r>
-              <a:rPr lang="en-US" sz="1600" dirty="0"/>
-              <a:t>It uses an acquisition function to balance between exploration and exploitation</a:t>
-            </a:r>
-          </a:p>
-          <a:p>
-            <a:pPr marL="457200" lvl="1" indent="0">
-              <a:buNone/>
-            </a:pPr>
-            <a:endParaRPr lang="en-US" sz="1600" dirty="0"/>
-          </a:p>
-          <a:p>
-            <a:pPr marL="228600" lvl="1">
-              <a:spcBef>
-                <a:spcPts val="1000"/>
-              </a:spcBef>
-            </a:pPr>
-            <a:r>
-              <a:rPr lang="en-US" sz="1800" dirty="0"/>
-              <a:t>Although this package is quite effective as is, the user has the ability to tune available hyperparameters to obtain more accuracy in the output; however, this can increase the processing time</a:t>
-            </a:r>
-          </a:p>
-        </p:txBody>
-      </p:sp>
-      <p:sp>
-        <p:nvSpPr>
-          <p:cNvPr id="26" name="Title 1">
-            <a:extLst>
-              <a:ext uri="{FF2B5EF4-FFF2-40B4-BE49-F238E27FC236}">
-                <a16:creationId xmlns:a16="http://schemas.microsoft.com/office/drawing/2014/main" id="{B967B30E-8C17-0547-B964-6813CE6A8C3F}"/>
-              </a:ext>
-            </a:extLst>
-          </p:cNvPr>
-          <p:cNvSpPr>
-            <a:spLocks noGrp="1"/>
-          </p:cNvSpPr>
-          <p:nvPr>
-            <p:ph type="title"/>
-          </p:nvPr>
+            <a:pPr algn="ctr"/>
+            <a:r>
+              <a:rPr lang="en-US" sz="1200" dirty="0"/>
+              <a:t>3</a:t>
+            </a:r>
+            <a:r>
+              <a:rPr lang="en-US" sz="1200" baseline="30000" dirty="0"/>
+              <a:t>rd</a:t>
+            </a:r>
+            <a:r>
+              <a:rPr lang="en-US" sz="1200" dirty="0"/>
+              <a:t> iteration</a:t>
+            </a:r>
+          </a:p>
+        </p:txBody>
+      </p:sp>
+      <p:sp>
+        <p:nvSpPr>
+          <p:cNvPr id="33" name="TextBox 32">
+            <a:extLst>
+              <a:ext uri="{FF2B5EF4-FFF2-40B4-BE49-F238E27FC236}">
+                <a16:creationId xmlns:a16="http://schemas.microsoft.com/office/drawing/2014/main" id="{0496191E-2F18-BD4F-A028-8463E1A1EC25}"/>
+              </a:ext>
+            </a:extLst>
+          </p:cNvPr>
+          <p:cNvSpPr txBox="1"/>
+          <p:nvPr/>
         </p:nvSpPr>
         <p:spPr>
-          <a:xfrm>
-            <a:off x="4330068" y="162506"/>
-            <a:ext cx="7664447" cy="1122598"/>
+          <a:xfrm rot="16200000">
+            <a:off x="-279928" y="4632191"/>
+            <a:ext cx="1470991" cy="276999"/>
           </a:xfrm>
+          <a:prstGeom prst="rect">
+            <a:avLst/>
+          </a:prstGeom>
+          <a:noFill/>
         </p:spPr>
         <p:txBody>
-          <a:bodyPr>
-            <a:normAutofit/>
+          <a:bodyPr wrap="square" rtlCol="0">
+            <a:spAutoFit/>
           </a:bodyPr>
           <a:lstStyle/>
           <a:p>
             <a:pPr algn="ctr"/>
             <a:r>
-              <a:rPr lang="en-US" sz="3600" b="1" dirty="0"/>
-              <a:t>“Bayes_Opt”</a:t>
-            </a:r>
-            <a:br>
-              <a:rPr lang="en-US" sz="3600" b="1" dirty="0"/>
-            </a:br>
-            <a:r>
-              <a:rPr lang="en-US" sz="3600" b="1" dirty="0"/>
-              <a:t>Bayesian Optimization</a:t>
+              <a:rPr lang="en-US" sz="1200" dirty="0"/>
+              <a:t>4</a:t>
+            </a:r>
+            <a:r>
+              <a:rPr lang="en-US" sz="1200" baseline="30000" dirty="0"/>
+              <a:t>th</a:t>
+            </a:r>
+            <a:r>
+              <a:rPr lang="en-US" sz="1200" dirty="0"/>
+              <a:t> iteration</a:t>
             </a:r>
           </a:p>
         </p:txBody>
@@ -6169,7 +5960,7 @@
           <a:p>
             <a:r>
               <a:rPr lang="en-US" dirty="0"/>
-              <a:t>Analyze the optimizer and different packages that provide Bayesian optimizers</a:t>
+              <a:t>Analyze the optimizers and different packages that provide Bayesian optimizers</a:t>
             </a:r>
           </a:p>
           <a:p>
@@ -6181,15 +5972,7 @@
           <a:p>
             <a:r>
               <a:rPr lang="en-US" dirty="0"/>
-              <a:t>Evaluate the optimizers </a:t>
-            </a:r>
-            <a:r>
-              <a:rPr lang="en-US"/>
-              <a:t>with some other </a:t>
-            </a:r>
-            <a:r>
-              <a:rPr lang="en-US" dirty="0"/>
-              <a:t>known functions</a:t>
+              <a:t>Evaluate the optimizers with some other known functions</a:t>
             </a:r>
           </a:p>
           <a:p>
